--- a/docs/diagrams/CompositeDesignPattern.pptx
+++ b/docs/diagrams/CompositeDesignPattern.pptx
@@ -5,10 +5,11 @@
     <p:sldMasterId id="2147483648" r:id="rId1"/>
   </p:sldMasterIdLst>
   <p:notesMasterIdLst>
-    <p:notesMasterId r:id="rId3"/>
+    <p:notesMasterId r:id="rId4"/>
   </p:notesMasterIdLst>
   <p:sldIdLst>
     <p:sldId id="263" r:id="rId2"/>
+    <p:sldId id="264" r:id="rId3"/>
   </p:sldIdLst>
   <p:sldSz cx="9144000" cy="6858000" type="screen4x3"/>
   <p:notesSz cx="6858000" cy="9144000"/>
@@ -209,7 +210,7 @@
             <a:fld id="{F5CC4B3F-88C1-4FFA-B1B6-F41C21DC6924}" type="datetimeFigureOut">
               <a:rPr lang="en-US" smtClean="0"/>
               <a:pPr/>
-              <a:t>4/2/2019</a:t>
+              <a:t>4/11/2019</a:t>
             </a:fld>
             <a:endParaRPr lang="en-US"/>
           </a:p>
@@ -657,7 +658,7 @@
             <a:fld id="{78C97017-6FC3-485B-9764-EAC9E56C1D49}" type="datetimeFigureOut">
               <a:rPr lang="en-US" smtClean="0"/>
               <a:pPr/>
-              <a:t>4/2/2019</a:t>
+              <a:t>4/11/2019</a:t>
             </a:fld>
             <a:endParaRPr lang="en-US"/>
           </a:p>
@@ -827,7 +828,7 @@
             <a:fld id="{78C97017-6FC3-485B-9764-EAC9E56C1D49}" type="datetimeFigureOut">
               <a:rPr lang="en-US" smtClean="0"/>
               <a:pPr/>
-              <a:t>4/2/2019</a:t>
+              <a:t>4/11/2019</a:t>
             </a:fld>
             <a:endParaRPr lang="en-US"/>
           </a:p>
@@ -1007,7 +1008,7 @@
             <a:fld id="{78C97017-6FC3-485B-9764-EAC9E56C1D49}" type="datetimeFigureOut">
               <a:rPr lang="en-US" smtClean="0"/>
               <a:pPr/>
-              <a:t>4/2/2019</a:t>
+              <a:t>4/11/2019</a:t>
             </a:fld>
             <a:endParaRPr lang="en-US"/>
           </a:p>
@@ -1177,7 +1178,7 @@
             <a:fld id="{78C97017-6FC3-485B-9764-EAC9E56C1D49}" type="datetimeFigureOut">
               <a:rPr lang="en-US" smtClean="0"/>
               <a:pPr/>
-              <a:t>4/2/2019</a:t>
+              <a:t>4/11/2019</a:t>
             </a:fld>
             <a:endParaRPr lang="en-US"/>
           </a:p>
@@ -1424,7 +1425,7 @@
             <a:fld id="{78C97017-6FC3-485B-9764-EAC9E56C1D49}" type="datetimeFigureOut">
               <a:rPr lang="en-US" smtClean="0"/>
               <a:pPr/>
-              <a:t>4/2/2019</a:t>
+              <a:t>4/11/2019</a:t>
             </a:fld>
             <a:endParaRPr lang="en-US"/>
           </a:p>
@@ -1711,7 +1712,7 @@
             <a:fld id="{78C97017-6FC3-485B-9764-EAC9E56C1D49}" type="datetimeFigureOut">
               <a:rPr lang="en-US" smtClean="0"/>
               <a:pPr/>
-              <a:t>4/2/2019</a:t>
+              <a:t>4/11/2019</a:t>
             </a:fld>
             <a:endParaRPr lang="en-US"/>
           </a:p>
@@ -2132,7 +2133,7 @@
             <a:fld id="{78C97017-6FC3-485B-9764-EAC9E56C1D49}" type="datetimeFigureOut">
               <a:rPr lang="en-US" smtClean="0"/>
               <a:pPr/>
-              <a:t>4/2/2019</a:t>
+              <a:t>4/11/2019</a:t>
             </a:fld>
             <a:endParaRPr lang="en-US"/>
           </a:p>
@@ -2251,7 +2252,7 @@
             <a:fld id="{78C97017-6FC3-485B-9764-EAC9E56C1D49}" type="datetimeFigureOut">
               <a:rPr lang="en-US" smtClean="0"/>
               <a:pPr/>
-              <a:t>4/2/2019</a:t>
+              <a:t>4/11/2019</a:t>
             </a:fld>
             <a:endParaRPr lang="en-US"/>
           </a:p>
@@ -2348,7 +2349,7 @@
             <a:fld id="{78C97017-6FC3-485B-9764-EAC9E56C1D49}" type="datetimeFigureOut">
               <a:rPr lang="en-US" smtClean="0"/>
               <a:pPr/>
-              <a:t>4/2/2019</a:t>
+              <a:t>4/11/2019</a:t>
             </a:fld>
             <a:endParaRPr lang="en-US"/>
           </a:p>
@@ -2625,7 +2626,7 @@
             <a:fld id="{78C97017-6FC3-485B-9764-EAC9E56C1D49}" type="datetimeFigureOut">
               <a:rPr lang="en-US" smtClean="0"/>
               <a:pPr/>
-              <a:t>4/2/2019</a:t>
+              <a:t>4/11/2019</a:t>
             </a:fld>
             <a:endParaRPr lang="en-US"/>
           </a:p>
@@ -2879,7 +2880,7 @@
             <a:fld id="{78C97017-6FC3-485B-9764-EAC9E56C1D49}" type="datetimeFigureOut">
               <a:rPr lang="en-US" smtClean="0"/>
               <a:pPr/>
-              <a:t>4/2/2019</a:t>
+              <a:t>4/11/2019</a:t>
             </a:fld>
             <a:endParaRPr lang="en-US"/>
           </a:p>
@@ -3092,7 +3093,7 @@
             <a:fld id="{78C97017-6FC3-485B-9764-EAC9E56C1D49}" type="datetimeFigureOut">
               <a:rPr lang="en-US" smtClean="0"/>
               <a:pPr/>
-              <a:t>4/2/2019</a:t>
+              <a:t>4/11/2019</a:t>
             </a:fld>
             <a:endParaRPr lang="en-US"/>
           </a:p>
@@ -3468,12 +3469,628 @@
           <a:chExt cx="0" cy="0"/>
         </a:xfrm>
       </p:grpSpPr>
+      <p:sp>
+        <p:nvSpPr>
+          <p:cNvPr id="122" name="Rectangle 65">
+            <a:extLst>
+              <a:ext uri="{FF2B5EF4-FFF2-40B4-BE49-F238E27FC236}">
+                <a16:creationId xmlns:a16="http://schemas.microsoft.com/office/drawing/2014/main" id="{8524A75A-F115-4FBE-AD2B-0270BAC7A10E}"/>
+              </a:ext>
+            </a:extLst>
+          </p:cNvPr>
+          <p:cNvSpPr/>
+          <p:nvPr/>
+        </p:nvSpPr>
+        <p:spPr>
+          <a:xfrm>
+            <a:off x="1673620" y="209565"/>
+            <a:ext cx="6222407" cy="4026503"/>
+          </a:xfrm>
+          <a:prstGeom prst="roundRect">
+            <a:avLst>
+              <a:gd name="adj" fmla="val 26749"/>
+            </a:avLst>
+          </a:prstGeom>
+          <a:solidFill>
+            <a:schemeClr val="accent4">
+              <a:lumMod val="20000"/>
+              <a:lumOff val="80000"/>
+            </a:schemeClr>
+          </a:solidFill>
+          <a:ln w="19050">
+            <a:noFill/>
+          </a:ln>
+          <a:effectLst/>
+        </p:spPr>
+        <p:style>
+          <a:lnRef idx="1">
+            <a:schemeClr val="accent2"/>
+          </a:lnRef>
+          <a:fillRef idx="2">
+            <a:schemeClr val="accent2"/>
+          </a:fillRef>
+          <a:effectRef idx="1">
+            <a:schemeClr val="accent2"/>
+          </a:effectRef>
+          <a:fontRef idx="minor">
+            <a:schemeClr val="dk1"/>
+          </a:fontRef>
+        </p:style>
+        <p:txBody>
+          <a:bodyPr rtlCol="0" anchor="t"/>
+          <a:lstStyle/>
+          <a:p>
+            <a:r>
+              <a:rPr lang="en-US" sz="1200" b="1" dirty="0" err="1">
+                <a:solidFill>
+                  <a:srgbClr val="7030A0"/>
+                </a:solidFill>
+              </a:rPr>
+              <a:t>CourseRequirement</a:t>
+            </a:r>
+            <a:r>
+              <a:rPr lang="en-US" sz="1200" b="1" dirty="0">
+                <a:solidFill>
+                  <a:srgbClr val="7030A0"/>
+                </a:solidFill>
+              </a:rPr>
+              <a:t> </a:t>
+            </a:r>
+          </a:p>
+          <a:p>
+            <a:endParaRPr lang="en-SG" sz="1200" b="1" dirty="0">
+              <a:solidFill>
+                <a:srgbClr val="7030A0"/>
+              </a:solidFill>
+            </a:endParaRPr>
+          </a:p>
+        </p:txBody>
+      </p:sp>
+      <p:sp>
+        <p:nvSpPr>
+          <p:cNvPr id="73" name="Flowchart: Decision 96">
+            <a:extLst>
+              <a:ext uri="{FF2B5EF4-FFF2-40B4-BE49-F238E27FC236}">
+                <a16:creationId xmlns:a16="http://schemas.microsoft.com/office/drawing/2014/main" id="{74C506E3-DFCF-47D2-AE0A-99ED4D326302}"/>
+              </a:ext>
+            </a:extLst>
+          </p:cNvPr>
+          <p:cNvSpPr/>
+          <p:nvPr/>
+        </p:nvSpPr>
+        <p:spPr>
+          <a:xfrm>
+            <a:off x="7162114" y="1934573"/>
+            <a:ext cx="308266" cy="288244"/>
+          </a:xfrm>
+          <a:prstGeom prst="flowChartDecision">
+            <a:avLst/>
+          </a:prstGeom>
+          <a:solidFill>
+            <a:srgbClr val="7030A0"/>
+          </a:solidFill>
+          <a:ln w="19050">
+            <a:solidFill>
+              <a:srgbClr val="7030A0"/>
+            </a:solidFill>
+          </a:ln>
+          <a:effectLst/>
+        </p:spPr>
+        <p:style>
+          <a:lnRef idx="1">
+            <a:schemeClr val="accent6"/>
+          </a:lnRef>
+          <a:fillRef idx="2">
+            <a:schemeClr val="accent6"/>
+          </a:fillRef>
+          <a:effectRef idx="1">
+            <a:schemeClr val="accent6"/>
+          </a:effectRef>
+          <a:fontRef idx="minor">
+            <a:schemeClr val="dk1"/>
+          </a:fontRef>
+        </p:style>
+        <p:txBody>
+          <a:bodyPr rtlCol="0" anchor="ctr"/>
+          <a:lstStyle/>
+          <a:p>
+            <a:pPr algn="ctr"/>
+            <a:endParaRPr lang="en-US" sz="1050" b="1" dirty="0"/>
+          </a:p>
+        </p:txBody>
+      </p:sp>
+      <p:sp>
+        <p:nvSpPr>
+          <p:cNvPr id="56" name="Rectangle 8">
+            <a:extLst>
+              <a:ext uri="{FF2B5EF4-FFF2-40B4-BE49-F238E27FC236}">
+                <a16:creationId xmlns:a16="http://schemas.microsoft.com/office/drawing/2014/main" id="{CAB969BA-DAFC-4D81-A6DC-E2A49EB5BBAB}"/>
+              </a:ext>
+            </a:extLst>
+          </p:cNvPr>
+          <p:cNvSpPr/>
+          <p:nvPr/>
+        </p:nvSpPr>
+        <p:spPr>
+          <a:xfrm>
+            <a:off x="5002114" y="1815935"/>
+            <a:ext cx="2160000" cy="576488"/>
+          </a:xfrm>
+          <a:prstGeom prst="rect">
+            <a:avLst/>
+          </a:prstGeom>
+          <a:ln w="19050">
+            <a:solidFill>
+              <a:srgbClr val="7030A0"/>
+            </a:solidFill>
+          </a:ln>
+          <a:effectLst/>
+        </p:spPr>
+        <p:style>
+          <a:lnRef idx="1">
+            <a:schemeClr val="accent4"/>
+          </a:lnRef>
+          <a:fillRef idx="2">
+            <a:schemeClr val="accent4"/>
+          </a:fillRef>
+          <a:effectRef idx="1">
+            <a:schemeClr val="accent4"/>
+          </a:effectRef>
+          <a:fontRef idx="minor">
+            <a:schemeClr val="dk1"/>
+          </a:fontRef>
+        </p:style>
+        <p:txBody>
+          <a:bodyPr rtlCol="0" anchor="ctr"/>
+          <a:lstStyle/>
+          <a:p>
+            <a:pPr algn="ctr"/>
+            <a:r>
+              <a:rPr lang="en-US" sz="1050" b="1" dirty="0" err="1">
+                <a:solidFill>
+                  <a:srgbClr val="7030A0"/>
+                </a:solidFill>
+              </a:rPr>
+              <a:t>CompositeRequirement</a:t>
+            </a:r>
+            <a:endParaRPr lang="en-SG" sz="1050" b="1" dirty="0">
+              <a:solidFill>
+                <a:srgbClr val="7030A0"/>
+              </a:solidFill>
+            </a:endParaRPr>
+          </a:p>
+        </p:txBody>
+      </p:sp>
+      <p:sp>
+        <p:nvSpPr>
+          <p:cNvPr id="46" name="Rectangle 8"/>
+          <p:cNvSpPr/>
+          <p:nvPr/>
+        </p:nvSpPr>
+        <p:spPr>
+          <a:xfrm>
+            <a:off x="2457241" y="1818229"/>
+            <a:ext cx="2160000" cy="576488"/>
+          </a:xfrm>
+          <a:prstGeom prst="rect">
+            <a:avLst/>
+          </a:prstGeom>
+          <a:ln w="19050">
+            <a:solidFill>
+              <a:srgbClr val="7030A0"/>
+            </a:solidFill>
+          </a:ln>
+          <a:effectLst/>
+        </p:spPr>
+        <p:style>
+          <a:lnRef idx="1">
+            <a:schemeClr val="accent4"/>
+          </a:lnRef>
+          <a:fillRef idx="2">
+            <a:schemeClr val="accent4"/>
+          </a:fillRef>
+          <a:effectRef idx="1">
+            <a:schemeClr val="accent4"/>
+          </a:effectRef>
+          <a:fontRef idx="minor">
+            <a:schemeClr val="dk1"/>
+          </a:fontRef>
+        </p:style>
+        <p:txBody>
+          <a:bodyPr rtlCol="0" anchor="ctr"/>
+          <a:lstStyle/>
+          <a:p>
+            <a:pPr algn="ctr"/>
+            <a:r>
+              <a:rPr lang="en-US" sz="1050" b="1" dirty="0" err="1">
+                <a:solidFill>
+                  <a:srgbClr val="7030A0"/>
+                </a:solidFill>
+              </a:rPr>
+              <a:t>PrimitiveRequirement</a:t>
+            </a:r>
+            <a:endParaRPr lang="en-SG" sz="1050" b="1" dirty="0">
+              <a:solidFill>
+                <a:srgbClr val="7030A0"/>
+              </a:solidFill>
+            </a:endParaRPr>
+          </a:p>
+        </p:txBody>
+      </p:sp>
+      <p:cxnSp>
+        <p:nvCxnSpPr>
+          <p:cNvPr id="7" name="Connector: Elbow 6">
+            <a:extLst>
+              <a:ext uri="{FF2B5EF4-FFF2-40B4-BE49-F238E27FC236}">
+                <a16:creationId xmlns:a16="http://schemas.microsoft.com/office/drawing/2014/main" id="{EFC510B9-E196-4496-9ACC-EAC80AE156F6}"/>
+              </a:ext>
+            </a:extLst>
+          </p:cNvPr>
+          <p:cNvCxnSpPr>
+            <a:cxnSpLocks/>
+            <a:stCxn id="46" idx="0"/>
+            <a:endCxn id="3" idx="3"/>
+          </p:cNvCxnSpPr>
+          <p:nvPr/>
+        </p:nvCxnSpPr>
+        <p:spPr>
+          <a:xfrm rot="5400000" flipH="1" flipV="1">
+            <a:off x="4002046" y="1036154"/>
+            <a:ext cx="317270" cy="1246880"/>
+          </a:xfrm>
+          <a:prstGeom prst="bentConnector3">
+            <a:avLst>
+              <a:gd name="adj1" fmla="val 50000"/>
+            </a:avLst>
+          </a:prstGeom>
+          <a:ln w="19050" cap="flat" cmpd="sng" algn="ctr">
+            <a:solidFill>
+              <a:schemeClr val="accent4"/>
+            </a:solidFill>
+            <a:prstDash val="dash"/>
+            <a:round/>
+            <a:headEnd type="none" w="med" len="med"/>
+            <a:tailEnd type="none" w="med" len="med"/>
+          </a:ln>
+        </p:spPr>
+        <p:style>
+          <a:lnRef idx="0">
+            <a:scrgbClr r="0" g="0" b="0"/>
+          </a:lnRef>
+          <a:fillRef idx="0">
+            <a:scrgbClr r="0" g="0" b="0"/>
+          </a:fillRef>
+          <a:effectRef idx="0">
+            <a:scrgbClr r="0" g="0" b="0"/>
+          </a:effectRef>
+          <a:fontRef idx="minor">
+            <a:schemeClr val="tx1"/>
+          </a:fontRef>
+        </p:style>
+      </p:cxnSp>
+      <p:sp>
+        <p:nvSpPr>
+          <p:cNvPr id="3" name="Isosceles Triangle 2">
+            <a:extLst>
+              <a:ext uri="{FF2B5EF4-FFF2-40B4-BE49-F238E27FC236}">
+                <a16:creationId xmlns:a16="http://schemas.microsoft.com/office/drawing/2014/main" id="{300F60FC-B297-4EE3-A4FC-6BCF26A85C42}"/>
+              </a:ext>
+            </a:extLst>
+          </p:cNvPr>
+          <p:cNvSpPr/>
+          <p:nvPr/>
+        </p:nvSpPr>
+        <p:spPr>
+          <a:xfrm>
+            <a:off x="4589249" y="1120912"/>
+            <a:ext cx="389744" cy="380047"/>
+          </a:xfrm>
+          <a:prstGeom prst="triangle">
+            <a:avLst/>
+          </a:prstGeom>
+          <a:solidFill>
+            <a:schemeClr val="accent4">
+              <a:lumMod val="60000"/>
+              <a:lumOff val="40000"/>
+            </a:schemeClr>
+          </a:solidFill>
+          <a:ln>
+            <a:solidFill>
+              <a:srgbClr val="7030A0"/>
+            </a:solidFill>
+          </a:ln>
+        </p:spPr>
+        <p:style>
+          <a:lnRef idx="2">
+            <a:schemeClr val="accent1">
+              <a:shade val="50000"/>
+            </a:schemeClr>
+          </a:lnRef>
+          <a:fillRef idx="1">
+            <a:schemeClr val="accent1"/>
+          </a:fillRef>
+          <a:effectRef idx="0">
+            <a:schemeClr val="accent1"/>
+          </a:effectRef>
+          <a:fontRef idx="minor">
+            <a:schemeClr val="lt1"/>
+          </a:fontRef>
+        </p:style>
+        <p:txBody>
+          <a:bodyPr rtlCol="0" anchor="ctr"/>
+          <a:lstStyle/>
+          <a:p>
+            <a:pPr algn="ctr"/>
+            <a:endParaRPr lang="en-SG" b="1"/>
+          </a:p>
+        </p:txBody>
+      </p:sp>
+      <p:sp>
+        <p:nvSpPr>
+          <p:cNvPr id="43" name="Rectangle 8">
+            <a:extLst>
+              <a:ext uri="{FF2B5EF4-FFF2-40B4-BE49-F238E27FC236}">
+                <a16:creationId xmlns:a16="http://schemas.microsoft.com/office/drawing/2014/main" id="{512CB70F-C230-4DEB-ABC6-A3BCDB90D67C}"/>
+              </a:ext>
+            </a:extLst>
+          </p:cNvPr>
+          <p:cNvSpPr/>
+          <p:nvPr/>
+        </p:nvSpPr>
+        <p:spPr>
+          <a:xfrm>
+            <a:off x="3704121" y="523782"/>
+            <a:ext cx="2160000" cy="576488"/>
+          </a:xfrm>
+          <a:prstGeom prst="rect">
+            <a:avLst/>
+          </a:prstGeom>
+          <a:ln w="19050">
+            <a:solidFill>
+              <a:srgbClr val="7030A0"/>
+            </a:solidFill>
+          </a:ln>
+          <a:effectLst/>
+        </p:spPr>
+        <p:style>
+          <a:lnRef idx="1">
+            <a:schemeClr val="accent4"/>
+          </a:lnRef>
+          <a:fillRef idx="2">
+            <a:schemeClr val="accent4"/>
+          </a:fillRef>
+          <a:effectRef idx="1">
+            <a:schemeClr val="accent4"/>
+          </a:effectRef>
+          <a:fontRef idx="minor">
+            <a:schemeClr val="dk1"/>
+          </a:fontRef>
+        </p:style>
+        <p:txBody>
+          <a:bodyPr rtlCol="0" anchor="ctr"/>
+          <a:lstStyle/>
+          <a:p>
+            <a:pPr algn="ctr"/>
+            <a:r>
+              <a:rPr lang="en-US" sz="1050" b="1" dirty="0">
+                <a:solidFill>
+                  <a:srgbClr val="7030A0"/>
+                </a:solidFill>
+              </a:rPr>
+              <a:t>&lt;&lt;interface&gt;&gt;</a:t>
+            </a:r>
+          </a:p>
+          <a:p>
+            <a:pPr algn="ctr"/>
+            <a:r>
+              <a:rPr lang="en-US" sz="1050" b="1" dirty="0" err="1">
+                <a:solidFill>
+                  <a:srgbClr val="7030A0"/>
+                </a:solidFill>
+              </a:rPr>
+              <a:t>CourseRequirement</a:t>
+            </a:r>
+            <a:endParaRPr lang="en-SG" sz="1050" b="1" dirty="0">
+              <a:solidFill>
+                <a:srgbClr val="7030A0"/>
+              </a:solidFill>
+            </a:endParaRPr>
+          </a:p>
+        </p:txBody>
+      </p:sp>
+      <p:cxnSp>
+        <p:nvCxnSpPr>
+          <p:cNvPr id="57" name="Connector: Elbow 56">
+            <a:extLst>
+              <a:ext uri="{FF2B5EF4-FFF2-40B4-BE49-F238E27FC236}">
+                <a16:creationId xmlns:a16="http://schemas.microsoft.com/office/drawing/2014/main" id="{12CB6F8F-6C38-4CCD-92F0-A4B7AC8C6238}"/>
+              </a:ext>
+            </a:extLst>
+          </p:cNvPr>
+          <p:cNvCxnSpPr>
+            <a:cxnSpLocks/>
+            <a:stCxn id="56" idx="0"/>
+            <a:endCxn id="3" idx="3"/>
+          </p:cNvCxnSpPr>
+          <p:nvPr/>
+        </p:nvCxnSpPr>
+        <p:spPr>
+          <a:xfrm rot="16200000" flipV="1">
+            <a:off x="5275630" y="1009450"/>
+            <a:ext cx="314976" cy="1297993"/>
+          </a:xfrm>
+          <a:prstGeom prst="bentConnector3">
+            <a:avLst>
+              <a:gd name="adj1" fmla="val 50000"/>
+            </a:avLst>
+          </a:prstGeom>
+          <a:ln w="19050" cap="flat" cmpd="sng" algn="ctr">
+            <a:solidFill>
+              <a:schemeClr val="accent4"/>
+            </a:solidFill>
+            <a:prstDash val="dash"/>
+            <a:round/>
+            <a:headEnd type="none" w="med" len="med"/>
+            <a:tailEnd type="none" w="med" len="med"/>
+          </a:ln>
+        </p:spPr>
+        <p:style>
+          <a:lnRef idx="0">
+            <a:scrgbClr r="0" g="0" b="0"/>
+          </a:lnRef>
+          <a:fillRef idx="0">
+            <a:scrgbClr r="0" g="0" b="0"/>
+          </a:fillRef>
+          <a:effectRef idx="0">
+            <a:scrgbClr r="0" g="0" b="0"/>
+          </a:effectRef>
+          <a:fontRef idx="minor">
+            <a:schemeClr val="tx1"/>
+          </a:fontRef>
+        </p:style>
+      </p:cxnSp>
+      <p:cxnSp>
+        <p:nvCxnSpPr>
+          <p:cNvPr id="74" name="Connector: Elbow 73">
+            <a:extLst>
+              <a:ext uri="{FF2B5EF4-FFF2-40B4-BE49-F238E27FC236}">
+                <a16:creationId xmlns:a16="http://schemas.microsoft.com/office/drawing/2014/main" id="{7B11940B-2868-4E0D-80FA-5E39116CB4F1}"/>
+              </a:ext>
+            </a:extLst>
+          </p:cNvPr>
+          <p:cNvCxnSpPr>
+            <a:cxnSpLocks/>
+            <a:stCxn id="73" idx="3"/>
+            <a:endCxn id="43" idx="3"/>
+          </p:cNvCxnSpPr>
+          <p:nvPr/>
+        </p:nvCxnSpPr>
+        <p:spPr>
+          <a:xfrm flipH="1" flipV="1">
+            <a:off x="5864121" y="812026"/>
+            <a:ext cx="1606259" cy="1266669"/>
+          </a:xfrm>
+          <a:prstGeom prst="bentConnector3">
+            <a:avLst>
+              <a:gd name="adj1" fmla="val -14232"/>
+            </a:avLst>
+          </a:prstGeom>
+          <a:ln w="19050" cap="flat" cmpd="sng" algn="ctr">
+            <a:solidFill>
+              <a:schemeClr val="accent4"/>
+            </a:solidFill>
+            <a:prstDash val="solid"/>
+            <a:round/>
+            <a:headEnd type="none" w="med" len="med"/>
+            <a:tailEnd type="arrow" w="med" len="med"/>
+          </a:ln>
+        </p:spPr>
+        <p:style>
+          <a:lnRef idx="0">
+            <a:scrgbClr r="0" g="0" b="0"/>
+          </a:lnRef>
+          <a:fillRef idx="0">
+            <a:scrgbClr r="0" g="0" b="0"/>
+          </a:fillRef>
+          <a:effectRef idx="0">
+            <a:scrgbClr r="0" g="0" b="0"/>
+          </a:effectRef>
+          <a:fontRef idx="minor">
+            <a:schemeClr val="tx1"/>
+          </a:fontRef>
+        </p:style>
+      </p:cxnSp>
+      <p:sp>
+        <p:nvSpPr>
+          <p:cNvPr id="34" name="TextBox 33">
+            <a:extLst>
+              <a:ext uri="{FF2B5EF4-FFF2-40B4-BE49-F238E27FC236}">
+                <a16:creationId xmlns:a16="http://schemas.microsoft.com/office/drawing/2014/main" id="{053E223F-AAC3-41CA-B983-768936C4BD3C}"/>
+              </a:ext>
+            </a:extLst>
+          </p:cNvPr>
+          <p:cNvSpPr txBox="1"/>
+          <p:nvPr/>
+        </p:nvSpPr>
+        <p:spPr>
+          <a:xfrm>
+            <a:off x="5935960" y="571861"/>
+            <a:ext cx="292308" cy="460511"/>
+          </a:xfrm>
+          <a:prstGeom prst="rect">
+            <a:avLst/>
+          </a:prstGeom>
+          <a:noFill/>
+        </p:spPr>
+        <p:txBody>
+          <a:bodyPr wrap="square" rtlCol="0">
+            <a:spAutoFit/>
+          </a:bodyPr>
+          <a:lstStyle/>
+          <a:p>
+            <a:r>
+              <a:rPr lang="en-US" sz="1200" b="1" dirty="0"/>
+              <a:t>2</a:t>
+            </a:r>
+            <a:endParaRPr lang="en-SG" sz="1200" b="1" dirty="0"/>
+          </a:p>
+        </p:txBody>
+      </p:sp>
+      <p:cxnSp>
+        <p:nvCxnSpPr>
+          <p:cNvPr id="16" name="Straight Arrow Connector 15">
+            <a:extLst>
+              <a:ext uri="{FF2B5EF4-FFF2-40B4-BE49-F238E27FC236}">
+                <a16:creationId xmlns:a16="http://schemas.microsoft.com/office/drawing/2014/main" id="{68BF8AA9-80C5-434D-8126-0717A9DF3922}"/>
+              </a:ext>
+            </a:extLst>
+          </p:cNvPr>
+          <p:cNvCxnSpPr>
+            <a:cxnSpLocks/>
+            <a:stCxn id="56" idx="2"/>
+            <a:endCxn id="36" idx="0"/>
+          </p:cNvCxnSpPr>
+          <p:nvPr/>
+        </p:nvCxnSpPr>
+        <p:spPr>
+          <a:xfrm>
+            <a:off x="6082114" y="2392423"/>
+            <a:ext cx="0" cy="573349"/>
+          </a:xfrm>
+          <a:prstGeom prst="straightConnector1">
+            <a:avLst/>
+          </a:prstGeom>
+          <a:ln w="19050" cap="flat" cmpd="sng" algn="ctr">
+            <a:solidFill>
+              <a:schemeClr val="accent4"/>
+            </a:solidFill>
+            <a:prstDash val="dash"/>
+            <a:round/>
+            <a:headEnd type="none" w="med" len="med"/>
+            <a:tailEnd type="arrow" w="med" len="med"/>
+          </a:ln>
+        </p:spPr>
+        <p:style>
+          <a:lnRef idx="0">
+            <a:scrgbClr r="0" g="0" b="0"/>
+          </a:lnRef>
+          <a:fillRef idx="0">
+            <a:scrgbClr r="0" g="0" b="0"/>
+          </a:fillRef>
+          <a:effectRef idx="0">
+            <a:scrgbClr r="0" g="0" b="0"/>
+          </a:effectRef>
+          <a:fontRef idx="minor">
+            <a:schemeClr val="tx1"/>
+          </a:fontRef>
+        </p:style>
+      </p:cxnSp>
       <p:grpSp>
         <p:nvGrpSpPr>
-          <p:cNvPr id="2" name="Group 1">
+          <p:cNvPr id="87" name="Group 86">
             <a:extLst>
               <a:ext uri="{FF2B5EF4-FFF2-40B4-BE49-F238E27FC236}">
-                <a16:creationId xmlns:a16="http://schemas.microsoft.com/office/drawing/2014/main" id="{CFC9501E-4E0F-4466-BE3B-82FD1271FAF5}"/>
+                <a16:creationId xmlns:a16="http://schemas.microsoft.com/office/drawing/2014/main" id="{56970C56-00EE-4FBF-A13D-5CDD14D62212}"/>
               </a:ext>
             </a:extLst>
           </p:cNvPr>
@@ -3482,18 +4099,18 @@
         </p:nvGrpSpPr>
         <p:grpSpPr>
           <a:xfrm>
-            <a:off x="2133600" y="419100"/>
-            <a:ext cx="4648200" cy="3048000"/>
-            <a:chOff x="2133600" y="419100"/>
-            <a:chExt cx="4648200" cy="3048000"/>
+            <a:off x="5002114" y="2965772"/>
+            <a:ext cx="2160000" cy="1046753"/>
+            <a:chOff x="6010251" y="3886200"/>
+            <a:chExt cx="1997654" cy="1145256"/>
           </a:xfrm>
         </p:grpSpPr>
         <p:sp>
           <p:nvSpPr>
-            <p:cNvPr id="75" name="Rectangle 65">
+            <p:cNvPr id="36" name="Rectangle 8">
               <a:extLst>
                 <a:ext uri="{FF2B5EF4-FFF2-40B4-BE49-F238E27FC236}">
-                  <a16:creationId xmlns:a16="http://schemas.microsoft.com/office/drawing/2014/main" id="{86D9C0B2-FA59-4585-B97A-302221C9FED3}"/>
+                  <a16:creationId xmlns:a16="http://schemas.microsoft.com/office/drawing/2014/main" id="{9EE034AA-379C-48E0-AD3D-C29848FD34D2}"/>
                 </a:ext>
               </a:extLst>
             </p:cNvPr>
@@ -3502,70 +4119,58 @@
           </p:nvSpPr>
           <p:spPr>
             <a:xfrm>
-              <a:off x="2133600" y="419100"/>
-              <a:ext cx="4648200" cy="3048000"/>
+              <a:off x="6010251" y="3886200"/>
+              <a:ext cx="1997654" cy="641579"/>
             </a:xfrm>
-            <a:prstGeom prst="roundRect">
-              <a:avLst>
-                <a:gd name="adj" fmla="val 26749"/>
-              </a:avLst>
+            <a:prstGeom prst="rect">
+              <a:avLst/>
             </a:prstGeom>
-            <a:solidFill>
-              <a:schemeClr val="accent4">
-                <a:lumMod val="20000"/>
-                <a:lumOff val="80000"/>
-              </a:schemeClr>
-            </a:solidFill>
             <a:ln w="19050">
-              <a:noFill/>
+              <a:solidFill>
+                <a:srgbClr val="7030A0"/>
+              </a:solidFill>
             </a:ln>
             <a:effectLst/>
           </p:spPr>
           <p:style>
             <a:lnRef idx="1">
-              <a:schemeClr val="accent2"/>
+              <a:schemeClr val="accent4"/>
             </a:lnRef>
             <a:fillRef idx="2">
-              <a:schemeClr val="accent2"/>
+              <a:schemeClr val="accent4"/>
             </a:fillRef>
             <a:effectRef idx="1">
-              <a:schemeClr val="accent2"/>
+              <a:schemeClr val="accent4"/>
             </a:effectRef>
             <a:fontRef idx="minor">
               <a:schemeClr val="dk1"/>
             </a:fontRef>
           </p:style>
           <p:txBody>
-            <a:bodyPr rtlCol="0" anchor="t"/>
+            <a:bodyPr rtlCol="0" anchor="ctr"/>
             <a:lstStyle/>
             <a:p>
+              <a:pPr algn="ctr"/>
               <a:r>
-                <a:rPr lang="en-US" sz="1200" b="1" dirty="0" err="1">
+                <a:rPr lang="en-SG" sz="1050" b="1" dirty="0">
                   <a:solidFill>
                     <a:srgbClr val="7030A0"/>
                   </a:solidFill>
                 </a:rPr>
-                <a:t>CourseRequirement</a:t>
+                <a:t>&lt;&lt;enumeration&gt;&gt;</a:t>
               </a:r>
+            </a:p>
+            <a:p>
+              <a:pPr algn="ctr"/>
               <a:r>
-                <a:rPr lang="en-US" sz="1200" b="1" dirty="0">
+                <a:rPr lang="en-SG" sz="1050" b="1" dirty="0" err="1">
                   <a:solidFill>
                     <a:srgbClr val="7030A0"/>
                   </a:solidFill>
                 </a:rPr>
-                <a:t> </a:t>
+                <a:t>LogicalConnector</a:t>
               </a:r>
-            </a:p>
-            <a:p>
-              <a:r>
-                <a:rPr lang="en-US" sz="1200" b="1" dirty="0">
-                  <a:solidFill>
-                    <a:srgbClr val="7030A0"/>
-                  </a:solidFill>
-                </a:rPr>
-                <a:t>(Composite Design Pattern)</a:t>
-              </a:r>
-              <a:endParaRPr lang="en-SG" sz="1200" b="1" dirty="0">
+              <a:endParaRPr lang="en-SG" sz="1050" b="1" dirty="0">
                 <a:solidFill>
                   <a:srgbClr val="7030A0"/>
                 </a:solidFill>
@@ -3573,12 +4178,126 @@
             </a:p>
           </p:txBody>
         </p:sp>
+        <p:sp>
+          <p:nvSpPr>
+            <p:cNvPr id="42" name="Rectangle 8">
+              <a:extLst>
+                <a:ext uri="{FF2B5EF4-FFF2-40B4-BE49-F238E27FC236}">
+                  <a16:creationId xmlns:a16="http://schemas.microsoft.com/office/drawing/2014/main" id="{524A8844-3E0D-400B-975E-2A17EFA0C393}"/>
+                </a:ext>
+              </a:extLst>
+            </p:cNvPr>
+            <p:cNvSpPr/>
+            <p:nvPr/>
+          </p:nvSpPr>
+          <p:spPr>
+            <a:xfrm>
+              <a:off x="6010251" y="4538620"/>
+              <a:ext cx="1997654" cy="492836"/>
+            </a:xfrm>
+            <a:prstGeom prst="rect">
+              <a:avLst/>
+            </a:prstGeom>
+            <a:ln w="19050">
+              <a:solidFill>
+                <a:srgbClr val="7030A0"/>
+              </a:solidFill>
+            </a:ln>
+            <a:effectLst/>
+          </p:spPr>
+          <p:style>
+            <a:lnRef idx="1">
+              <a:schemeClr val="accent4"/>
+            </a:lnRef>
+            <a:fillRef idx="2">
+              <a:schemeClr val="accent4"/>
+            </a:fillRef>
+            <a:effectRef idx="1">
+              <a:schemeClr val="accent4"/>
+            </a:effectRef>
+            <a:fontRef idx="minor">
+              <a:schemeClr val="dk1"/>
+            </a:fontRef>
+          </p:style>
+          <p:txBody>
+            <a:bodyPr rtlCol="0" anchor="ctr"/>
+            <a:lstStyle/>
+            <a:p>
+              <a:pPr algn="ctr"/>
+              <a:r>
+                <a:rPr lang="en-SG" sz="1050" b="1" dirty="0">
+                  <a:solidFill>
+                    <a:srgbClr val="7030A0"/>
+                  </a:solidFill>
+                </a:rPr>
+                <a:t>AND, OR</a:t>
+              </a:r>
+            </a:p>
+          </p:txBody>
+        </p:sp>
+      </p:grpSp>
+      <p:grpSp>
+        <p:nvGrpSpPr>
+          <p:cNvPr id="96" name="Group 95">
+            <a:extLst>
+              <a:ext uri="{FF2B5EF4-FFF2-40B4-BE49-F238E27FC236}">
+                <a16:creationId xmlns:a16="http://schemas.microsoft.com/office/drawing/2014/main" id="{6BC62AE3-4201-4BF5-808D-BE81F8C73DEA}"/>
+              </a:ext>
+            </a:extLst>
+          </p:cNvPr>
+          <p:cNvGrpSpPr/>
+          <p:nvPr/>
+        </p:nvGrpSpPr>
+        <p:grpSpPr>
+          <a:xfrm>
+            <a:off x="2457241" y="2415359"/>
+            <a:ext cx="2160000" cy="1464813"/>
+            <a:chOff x="2286000" y="3335787"/>
+            <a:chExt cx="2160000" cy="1464813"/>
+          </a:xfrm>
+        </p:grpSpPr>
+        <p:sp>
+          <p:nvSpPr>
+            <p:cNvPr id="97" name="TextBox 96">
+              <a:extLst>
+                <a:ext uri="{FF2B5EF4-FFF2-40B4-BE49-F238E27FC236}">
+                  <a16:creationId xmlns:a16="http://schemas.microsoft.com/office/drawing/2014/main" id="{F2D76A15-9379-4D47-8EAD-A31FEC4E144C}"/>
+                </a:ext>
+              </a:extLst>
+            </p:cNvPr>
+            <p:cNvSpPr txBox="1"/>
+            <p:nvPr/>
+          </p:nvSpPr>
+          <p:spPr>
+            <a:xfrm>
+              <a:off x="3366000" y="3635276"/>
+              <a:ext cx="506729" cy="276999"/>
+            </a:xfrm>
+            <a:prstGeom prst="rect">
+              <a:avLst/>
+            </a:prstGeom>
+            <a:noFill/>
+          </p:spPr>
+          <p:txBody>
+            <a:bodyPr wrap="square" rtlCol="0">
+              <a:spAutoFit/>
+            </a:bodyPr>
+            <a:lstStyle/>
+            <a:p>
+              <a:r>
+                <a:rPr lang="en-US" sz="1200" b="1" dirty="0"/>
+                <a:t>1 ..*</a:t>
+              </a:r>
+              <a:endParaRPr lang="en-SG" sz="1200" b="1" dirty="0"/>
+            </a:p>
+          </p:txBody>
+        </p:sp>
         <p:grpSp>
           <p:nvGrpSpPr>
-            <p:cNvPr id="45" name="Group 44">
+            <p:cNvPr id="98" name="Group 97">
               <a:extLst>
                 <a:ext uri="{FF2B5EF4-FFF2-40B4-BE49-F238E27FC236}">
-                  <a16:creationId xmlns:a16="http://schemas.microsoft.com/office/drawing/2014/main" id="{93E1D43A-BE3A-4D69-994F-ED6A491D9779}"/>
+                  <a16:creationId xmlns:a16="http://schemas.microsoft.com/office/drawing/2014/main" id="{33C1D6D0-05E4-4F28-BEA6-E526CEEEB04C}"/>
                 </a:ext>
               </a:extLst>
             </p:cNvPr>
@@ -3587,18 +4306,75 @@
           </p:nvGrpSpPr>
           <p:grpSpPr>
             <a:xfrm>
-              <a:off x="2502120" y="1104642"/>
-              <a:ext cx="3974880" cy="1562358"/>
-              <a:chOff x="2470260" y="1014425"/>
-              <a:chExt cx="3974880" cy="1562358"/>
+              <a:off x="2286000" y="3335787"/>
+              <a:ext cx="2160000" cy="1464813"/>
+              <a:chOff x="2286000" y="3335787"/>
+              <a:chExt cx="2160000" cy="1464813"/>
             </a:xfrm>
           </p:grpSpPr>
+          <p:sp>
+            <p:nvSpPr>
+              <p:cNvPr id="99" name="Rectangle 8">
+                <a:extLst>
+                  <a:ext uri="{FF2B5EF4-FFF2-40B4-BE49-F238E27FC236}">
+                    <a16:creationId xmlns:a16="http://schemas.microsoft.com/office/drawing/2014/main" id="{9E2A3DDA-E7EB-407B-994F-CF1415A6FF98}"/>
+                  </a:ext>
+                </a:extLst>
+              </p:cNvPr>
+              <p:cNvSpPr/>
+              <p:nvPr/>
+            </p:nvSpPr>
+            <p:spPr>
+              <a:xfrm>
+                <a:off x="2286000" y="3886200"/>
+                <a:ext cx="2160000" cy="576488"/>
+              </a:xfrm>
+              <a:prstGeom prst="rect">
+                <a:avLst/>
+              </a:prstGeom>
+              <a:ln w="19050">
+                <a:solidFill>
+                  <a:srgbClr val="7030A0"/>
+                </a:solidFill>
+              </a:ln>
+              <a:effectLst/>
+            </p:spPr>
+            <p:style>
+              <a:lnRef idx="1">
+                <a:schemeClr val="accent4"/>
+              </a:lnRef>
+              <a:fillRef idx="2">
+                <a:schemeClr val="accent4"/>
+              </a:fillRef>
+              <a:effectRef idx="1">
+                <a:schemeClr val="accent4"/>
+              </a:effectRef>
+              <a:fontRef idx="minor">
+                <a:schemeClr val="dk1"/>
+              </a:fontRef>
+            </p:style>
+            <p:txBody>
+              <a:bodyPr rtlCol="0" anchor="ctr"/>
+              <a:lstStyle/>
+              <a:p>
+                <a:pPr algn="ctr"/>
+                <a:r>
+                  <a:rPr lang="en-SG" sz="1050" b="1" dirty="0">
+                    <a:solidFill>
+                      <a:srgbClr val="7030A0"/>
+                    </a:solidFill>
+                  </a:rPr>
+                  <a:t>Conditions</a:t>
+                </a:r>
+              </a:p>
+            </p:txBody>
+          </p:sp>
           <p:grpSp>
             <p:nvGrpSpPr>
-              <p:cNvPr id="41" name="Group 40">
+              <p:cNvPr id="100" name="Group 99">
                 <a:extLst>
                   <a:ext uri="{FF2B5EF4-FFF2-40B4-BE49-F238E27FC236}">
-                    <a16:creationId xmlns:a16="http://schemas.microsoft.com/office/drawing/2014/main" id="{7248751E-86C2-40E1-9176-E80FFFE74AB4}"/>
+                    <a16:creationId xmlns:a16="http://schemas.microsoft.com/office/drawing/2014/main" id="{556848D0-1B23-4E99-8381-DA1EB1C8E7E5}"/>
                   </a:ext>
                 </a:extLst>
               </p:cNvPr>
@@ -3607,18 +4383,67 @@
             </p:nvGrpSpPr>
             <p:grpSpPr>
               <a:xfrm>
-                <a:off x="2470260" y="1101415"/>
-                <a:ext cx="3974880" cy="1475368"/>
-                <a:chOff x="2362200" y="1081192"/>
-                <a:chExt cx="3974880" cy="1475368"/>
+                <a:off x="2286000" y="3335787"/>
+                <a:ext cx="2160000" cy="1464813"/>
+                <a:chOff x="2286000" y="3335787"/>
+                <a:chExt cx="2160000" cy="1464813"/>
               </a:xfrm>
             </p:grpSpPr>
+            <p:cxnSp>
+              <p:nvCxnSpPr>
+                <p:cNvPr id="101" name="Straight Arrow Connector 100">
+                  <a:extLst>
+                    <a:ext uri="{FF2B5EF4-FFF2-40B4-BE49-F238E27FC236}">
+                      <a16:creationId xmlns:a16="http://schemas.microsoft.com/office/drawing/2014/main" id="{E5EC4940-B389-4233-BCC5-DF042AAA4BDC}"/>
+                    </a:ext>
+                  </a:extLst>
+                </p:cNvPr>
+                <p:cNvCxnSpPr>
+                  <a:cxnSpLocks/>
+                  <a:stCxn id="102" idx="2"/>
+                  <a:endCxn id="99" idx="0"/>
+                </p:cNvCxnSpPr>
+                <p:nvPr/>
+              </p:nvCxnSpPr>
+              <p:spPr>
+                <a:xfrm>
+                  <a:off x="3366000" y="3624031"/>
+                  <a:ext cx="0" cy="262169"/>
+                </a:xfrm>
+                <a:prstGeom prst="straightConnector1">
+                  <a:avLst/>
+                </a:prstGeom>
+                <a:ln w="19050" cap="flat" cmpd="sng" algn="ctr">
+                  <a:solidFill>
+                    <a:schemeClr val="accent4"/>
+                  </a:solidFill>
+                  <a:prstDash val="solid"/>
+                  <a:round/>
+                  <a:headEnd type="none" w="med" len="med"/>
+                  <a:tailEnd type="arrow" w="med" len="med"/>
+                </a:ln>
+              </p:spPr>
+              <p:style>
+                <a:lnRef idx="0">
+                  <a:scrgbClr r="0" g="0" b="0"/>
+                </a:lnRef>
+                <a:fillRef idx="0">
+                  <a:scrgbClr r="0" g="0" b="0"/>
+                </a:fillRef>
+                <a:effectRef idx="0">
+                  <a:scrgbClr r="0" g="0" b="0"/>
+                </a:effectRef>
+                <a:fontRef idx="minor">
+                  <a:schemeClr val="tx1"/>
+                </a:fontRef>
+              </p:style>
+            </p:cxnSp>
             <p:sp>
               <p:nvSpPr>
-                <p:cNvPr id="73" name="Flowchart: Decision 96">
+                <p:cNvPr id="102" name="Flowchart: Decision 96">
                   <a:extLst>
                     <a:ext uri="{FF2B5EF4-FFF2-40B4-BE49-F238E27FC236}">
-                      <a16:creationId xmlns:a16="http://schemas.microsoft.com/office/drawing/2014/main" id="{74C506E3-DFCF-47D2-AE0A-99ED4D326302}"/>
+                      <a16:creationId xmlns:a16="http://schemas.microsoft.com/office/drawing/2014/main" id="{2A59619F-B74C-4752-8683-CB4E134894D1}"/>
                     </a:ext>
                   </a:extLst>
                 </p:cNvPr>
@@ -3627,8 +4452,8 @@
               </p:nvSpPr>
               <p:spPr>
                 <a:xfrm>
-                  <a:off x="6096000" y="2296490"/>
-                  <a:ext cx="241080" cy="173380"/>
+                  <a:off x="3211867" y="3335787"/>
+                  <a:ext cx="308266" cy="288244"/>
                 </a:xfrm>
                 <a:prstGeom prst="flowChartDecision">
                   <a:avLst/>
@@ -3666,511 +4491,731 @@
                 </a:p>
               </p:txBody>
             </p:sp>
-            <p:grpSp>
-              <p:nvGrpSpPr>
-                <p:cNvPr id="40" name="Group 39">
+            <p:sp>
+              <p:nvSpPr>
+                <p:cNvPr id="103" name="Rectangle 8">
                   <a:extLst>
                     <a:ext uri="{FF2B5EF4-FFF2-40B4-BE49-F238E27FC236}">
-                      <a16:creationId xmlns:a16="http://schemas.microsoft.com/office/drawing/2014/main" id="{9FAB192C-7407-40F7-8425-4DC4E7B4A2F5}"/>
+                      <a16:creationId xmlns:a16="http://schemas.microsoft.com/office/drawing/2014/main" id="{770C3E69-D5B7-4A46-B0E9-C35F2794CF3E}"/>
                     </a:ext>
                   </a:extLst>
                 </p:cNvPr>
-                <p:cNvGrpSpPr/>
+                <p:cNvSpPr/>
                 <p:nvPr/>
-              </p:nvGrpSpPr>
-              <p:grpSpPr>
+              </p:nvSpPr>
+              <p:spPr>
                 <a:xfrm>
-                  <a:off x="2362200" y="1081192"/>
-                  <a:ext cx="3974880" cy="1475368"/>
-                  <a:chOff x="2362200" y="1081192"/>
-                  <a:chExt cx="3974880" cy="1475368"/>
+                  <a:off x="2286000" y="4472597"/>
+                  <a:ext cx="2160000" cy="328003"/>
                 </a:xfrm>
-              </p:grpSpPr>
-              <p:sp>
-                <p:nvSpPr>
-                  <p:cNvPr id="56" name="Rectangle 8">
-                    <a:extLst>
-                      <a:ext uri="{FF2B5EF4-FFF2-40B4-BE49-F238E27FC236}">
-                        <a16:creationId xmlns:a16="http://schemas.microsoft.com/office/drawing/2014/main" id="{CAB969BA-DAFC-4D81-A6DC-E2A49EB5BBAB}"/>
-                      </a:ext>
-                    </a:extLst>
-                  </p:cNvPr>
-                  <p:cNvSpPr/>
-                  <p:nvPr/>
-                </p:nvSpPr>
-                <p:spPr>
-                  <a:xfrm>
-                    <a:off x="4533732" y="2209800"/>
-                    <a:ext cx="1562268" cy="346760"/>
-                  </a:xfrm>
-                  <a:prstGeom prst="rect">
-                    <a:avLst/>
-                  </a:prstGeom>
-                  <a:ln w="19050">
-                    <a:solidFill>
-                      <a:srgbClr val="7030A0"/>
-                    </a:solidFill>
-                  </a:ln>
-                  <a:effectLst/>
-                </p:spPr>
-                <p:style>
-                  <a:lnRef idx="1">
-                    <a:schemeClr val="accent4"/>
-                  </a:lnRef>
-                  <a:fillRef idx="2">
-                    <a:schemeClr val="accent4"/>
-                  </a:fillRef>
-                  <a:effectRef idx="1">
-                    <a:schemeClr val="accent4"/>
-                  </a:effectRef>
-                  <a:fontRef idx="minor">
-                    <a:schemeClr val="dk1"/>
-                  </a:fontRef>
-                </p:style>
-                <p:txBody>
-                  <a:bodyPr rtlCol="0" anchor="ctr"/>
-                  <a:lstStyle/>
-                  <a:p>
-                    <a:pPr algn="ctr"/>
-                    <a:r>
-                      <a:rPr lang="en-US" sz="1050" b="1" dirty="0" err="1">
-                        <a:solidFill>
-                          <a:srgbClr val="7030A0"/>
-                        </a:solidFill>
-                      </a:rPr>
-                      <a:t>CompositeRequirement</a:t>
-                    </a:r>
-                    <a:endParaRPr lang="en-SG" sz="1050" b="1" dirty="0">
+                <a:prstGeom prst="rect">
+                  <a:avLst/>
+                </a:prstGeom>
+                <a:ln w="19050">
+                  <a:solidFill>
+                    <a:srgbClr val="7030A0"/>
+                  </a:solidFill>
+                </a:ln>
+                <a:effectLst/>
+              </p:spPr>
+              <p:style>
+                <a:lnRef idx="1">
+                  <a:schemeClr val="accent4"/>
+                </a:lnRef>
+                <a:fillRef idx="2">
+                  <a:schemeClr val="accent4"/>
+                </a:fillRef>
+                <a:effectRef idx="1">
+                  <a:schemeClr val="accent4"/>
+                </a:effectRef>
+                <a:fontRef idx="minor">
+                  <a:schemeClr val="dk1"/>
+                </a:fontRef>
+              </p:style>
+              <p:txBody>
+                <a:bodyPr rtlCol="0" anchor="ctr"/>
+                <a:lstStyle/>
+                <a:p>
+                  <a:pPr marL="171450" indent="-171450">
+                    <a:buFontTx/>
+                    <a:buChar char="-"/>
+                  </a:pPr>
+                  <a:r>
+                    <a:rPr lang="en-SG" sz="1050" b="1" dirty="0" err="1">
                       <a:solidFill>
                         <a:srgbClr val="7030A0"/>
                       </a:solidFill>
-                    </a:endParaRPr>
-                  </a:p>
-                </p:txBody>
-              </p:sp>
-              <p:grpSp>
-                <p:nvGrpSpPr>
-                  <p:cNvPr id="38" name="Group 37">
-                    <a:extLst>
-                      <a:ext uri="{FF2B5EF4-FFF2-40B4-BE49-F238E27FC236}">
-                        <a16:creationId xmlns:a16="http://schemas.microsoft.com/office/drawing/2014/main" id="{02598709-3CB8-4D30-BBE3-F77447B817D7}"/>
-                      </a:ext>
-                    </a:extLst>
-                  </p:cNvPr>
-                  <p:cNvGrpSpPr/>
-                  <p:nvPr/>
-                </p:nvGrpSpPr>
-                <p:grpSpPr>
-                  <a:xfrm>
-                    <a:off x="2362200" y="1081192"/>
-                    <a:ext cx="3974880" cy="1475368"/>
-                    <a:chOff x="2362200" y="1081192"/>
-                    <a:chExt cx="3974880" cy="1475368"/>
-                  </a:xfrm>
-                </p:grpSpPr>
-                <p:sp>
-                  <p:nvSpPr>
-                    <p:cNvPr id="46" name="Rectangle 8"/>
-                    <p:cNvSpPr/>
-                    <p:nvPr/>
-                  </p:nvSpPr>
-                  <p:spPr>
-                    <a:xfrm>
-                      <a:off x="2362200" y="2209800"/>
-                      <a:ext cx="1562268" cy="346760"/>
-                    </a:xfrm>
-                    <a:prstGeom prst="rect">
-                      <a:avLst/>
-                    </a:prstGeom>
-                    <a:ln w="19050">
+                    </a:rPr>
+                    <a:t>minToSatisfy</a:t>
+                  </a:r>
+                  <a:r>
+                    <a:rPr lang="en-SG" sz="1050" b="1" dirty="0">
                       <a:solidFill>
                         <a:srgbClr val="7030A0"/>
                       </a:solidFill>
-                    </a:ln>
-                    <a:effectLst/>
-                  </p:spPr>
-                  <p:style>
-                    <a:lnRef idx="1">
-                      <a:schemeClr val="accent4"/>
-                    </a:lnRef>
-                    <a:fillRef idx="2">
-                      <a:schemeClr val="accent4"/>
-                    </a:fillRef>
-                    <a:effectRef idx="1">
-                      <a:schemeClr val="accent4"/>
-                    </a:effectRef>
-                    <a:fontRef idx="minor">
-                      <a:schemeClr val="dk1"/>
-                    </a:fontRef>
-                  </p:style>
-                  <p:txBody>
-                    <a:bodyPr rtlCol="0" anchor="ctr"/>
-                    <a:lstStyle/>
-                    <a:p>
-                      <a:pPr algn="ctr"/>
-                      <a:r>
-                        <a:rPr lang="en-US" sz="1050" b="1" dirty="0" err="1">
-                          <a:solidFill>
-                            <a:srgbClr val="7030A0"/>
-                          </a:solidFill>
-                        </a:rPr>
-                        <a:t>PrimitiveRequirement</a:t>
-                      </a:r>
-                      <a:endParaRPr lang="en-SG" sz="1050" b="1" dirty="0">
-                        <a:solidFill>
-                          <a:srgbClr val="7030A0"/>
-                        </a:solidFill>
-                      </a:endParaRPr>
-                    </a:p>
-                  </p:txBody>
-                </p:sp>
-                <p:cxnSp>
-                  <p:nvCxnSpPr>
-                    <p:cNvPr id="7" name="Connector: Elbow 6">
-                      <a:extLst>
-                        <a:ext uri="{FF2B5EF4-FFF2-40B4-BE49-F238E27FC236}">
-                          <a16:creationId xmlns:a16="http://schemas.microsoft.com/office/drawing/2014/main" id="{EFC510B9-E196-4496-9ACC-EAC80AE156F6}"/>
-                        </a:ext>
-                      </a:extLst>
-                    </p:cNvPr>
-                    <p:cNvCxnSpPr>
-                      <a:cxnSpLocks/>
-                      <a:stCxn id="46" idx="0"/>
-                      <a:endCxn id="3" idx="3"/>
-                    </p:cNvCxnSpPr>
-                    <p:nvPr/>
-                  </p:nvCxnSpPr>
-                  <p:spPr>
-                    <a:xfrm rot="5400000" flipH="1" flipV="1">
-                      <a:off x="3400467" y="1419267"/>
-                      <a:ext cx="533400" cy="1047666"/>
-                    </a:xfrm>
-                    <a:prstGeom prst="bentConnector3">
-                      <a:avLst>
-                        <a:gd name="adj1" fmla="val 50000"/>
-                      </a:avLst>
-                    </a:prstGeom>
-                    <a:ln w="19050" cap="flat" cmpd="sng" algn="ctr">
+                    </a:rPr>
+                    <a:t>: int </a:t>
+                  </a:r>
+                </a:p>
+                <a:p>
+                  <a:pPr marL="171450" indent="-171450">
+                    <a:buFontTx/>
+                    <a:buChar char="-"/>
+                  </a:pPr>
+                  <a:r>
+                    <a:rPr lang="en-SG" sz="1050" b="1" dirty="0">
                       <a:solidFill>
-                        <a:schemeClr val="accent4"/>
+                        <a:srgbClr val="7030A0"/>
                       </a:solidFill>
-                      <a:prstDash val="dash"/>
-                      <a:round/>
-                      <a:headEnd type="none" w="med" len="med"/>
-                      <a:tailEnd type="none" w="med" len="med"/>
-                    </a:ln>
-                  </p:spPr>
-                  <p:style>
-                    <a:lnRef idx="0">
-                      <a:scrgbClr r="0" g="0" b="0"/>
-                    </a:lnRef>
-                    <a:fillRef idx="0">
-                      <a:scrgbClr r="0" g="0" b="0"/>
-                    </a:fillRef>
-                    <a:effectRef idx="0">
-                      <a:scrgbClr r="0" g="0" b="0"/>
-                    </a:effectRef>
-                    <a:fontRef idx="minor">
-                      <a:schemeClr val="tx1"/>
-                    </a:fontRef>
-                  </p:style>
-                </p:cxnSp>
-                <p:grpSp>
-                  <p:nvGrpSpPr>
-                    <p:cNvPr id="37" name="Group 36">
-                      <a:extLst>
-                        <a:ext uri="{FF2B5EF4-FFF2-40B4-BE49-F238E27FC236}">
-                          <a16:creationId xmlns:a16="http://schemas.microsoft.com/office/drawing/2014/main" id="{10B3FD14-09BF-4FE2-83C6-39DF5D062AED}"/>
-                        </a:ext>
-                      </a:extLst>
-                    </p:cNvPr>
-                    <p:cNvGrpSpPr/>
-                    <p:nvPr/>
-                  </p:nvGrpSpPr>
-                  <p:grpSpPr>
-                    <a:xfrm>
-                      <a:off x="3467128" y="1081192"/>
-                      <a:ext cx="1447688" cy="595208"/>
-                      <a:chOff x="3467128" y="1081192"/>
-                      <a:chExt cx="1447688" cy="595208"/>
-                    </a:xfrm>
-                  </p:grpSpPr>
-                  <p:sp>
-                    <p:nvSpPr>
-                      <p:cNvPr id="3" name="Isosceles Triangle 2">
-                        <a:extLst>
-                          <a:ext uri="{FF2B5EF4-FFF2-40B4-BE49-F238E27FC236}">
-                            <a16:creationId xmlns:a16="http://schemas.microsoft.com/office/drawing/2014/main" id="{300F60FC-B297-4EE3-A4FC-6BCF26A85C42}"/>
-                          </a:ext>
-                        </a:extLst>
-                      </p:cNvPr>
-                      <p:cNvSpPr/>
-                      <p:nvPr/>
-                    </p:nvSpPr>
-                    <p:spPr>
-                      <a:xfrm>
-                        <a:off x="4038600" y="1447800"/>
-                        <a:ext cx="304800" cy="228600"/>
-                      </a:xfrm>
-                      <a:prstGeom prst="triangle">
-                        <a:avLst/>
-                      </a:prstGeom>
-                      <a:solidFill>
-                        <a:schemeClr val="accent4">
-                          <a:lumMod val="60000"/>
-                          <a:lumOff val="40000"/>
-                        </a:schemeClr>
-                      </a:solidFill>
-                      <a:ln>
-                        <a:solidFill>
-                          <a:srgbClr val="7030A0"/>
-                        </a:solidFill>
-                      </a:ln>
-                    </p:spPr>
-                    <p:style>
-                      <a:lnRef idx="2">
-                        <a:schemeClr val="accent1">
-                          <a:shade val="50000"/>
-                        </a:schemeClr>
-                      </a:lnRef>
-                      <a:fillRef idx="1">
-                        <a:schemeClr val="accent1"/>
-                      </a:fillRef>
-                      <a:effectRef idx="0">
-                        <a:schemeClr val="accent1"/>
-                      </a:effectRef>
-                      <a:fontRef idx="minor">
-                        <a:schemeClr val="lt1"/>
-                      </a:fontRef>
-                    </p:style>
-                    <p:txBody>
-                      <a:bodyPr rtlCol="0" anchor="ctr"/>
-                      <a:lstStyle/>
-                      <a:p>
-                        <a:pPr algn="ctr"/>
-                        <a:endParaRPr lang="en-SG" b="1"/>
-                      </a:p>
-                    </p:txBody>
-                  </p:sp>
-                  <p:sp>
-                    <p:nvSpPr>
-                      <p:cNvPr id="43" name="Rectangle 8">
-                        <a:extLst>
-                          <a:ext uri="{FF2B5EF4-FFF2-40B4-BE49-F238E27FC236}">
-                            <a16:creationId xmlns:a16="http://schemas.microsoft.com/office/drawing/2014/main" id="{512CB70F-C230-4DEB-ABC6-A3BCDB90D67C}"/>
-                          </a:ext>
-                        </a:extLst>
-                      </p:cNvPr>
-                      <p:cNvSpPr/>
-                      <p:nvPr/>
-                    </p:nvSpPr>
-                    <p:spPr>
-                      <a:xfrm>
-                        <a:off x="3467128" y="1081192"/>
-                        <a:ext cx="1447688" cy="346760"/>
-                      </a:xfrm>
-                      <a:prstGeom prst="rect">
-                        <a:avLst/>
-                      </a:prstGeom>
-                      <a:ln w="19050">
-                        <a:solidFill>
-                          <a:srgbClr val="7030A0"/>
-                        </a:solidFill>
-                      </a:ln>
-                      <a:effectLst/>
-                    </p:spPr>
-                    <p:style>
-                      <a:lnRef idx="1">
-                        <a:schemeClr val="accent4"/>
-                      </a:lnRef>
-                      <a:fillRef idx="2">
-                        <a:schemeClr val="accent4"/>
-                      </a:fillRef>
-                      <a:effectRef idx="1">
-                        <a:schemeClr val="accent4"/>
-                      </a:effectRef>
-                      <a:fontRef idx="minor">
-                        <a:schemeClr val="dk1"/>
-                      </a:fontRef>
-                    </p:style>
-                    <p:txBody>
-                      <a:bodyPr rtlCol="0" anchor="ctr"/>
-                      <a:lstStyle/>
-                      <a:p>
-                        <a:pPr algn="ctr"/>
-                        <a:r>
-                          <a:rPr lang="en-US" sz="1050" b="1" dirty="0">
-                            <a:solidFill>
-                              <a:srgbClr val="7030A0"/>
-                            </a:solidFill>
-                          </a:rPr>
-                          <a:t>&lt;&lt;interface&gt;&gt;</a:t>
-                        </a:r>
-                      </a:p>
-                      <a:p>
-                        <a:pPr algn="ctr"/>
-                        <a:r>
-                          <a:rPr lang="en-US" sz="1050" b="1" dirty="0" err="1">
-                            <a:solidFill>
-                              <a:srgbClr val="7030A0"/>
-                            </a:solidFill>
-                          </a:rPr>
-                          <a:t>CourseRequirement</a:t>
-                        </a:r>
-                        <a:endParaRPr lang="en-SG" sz="1050" b="1" dirty="0">
-                          <a:solidFill>
-                            <a:srgbClr val="7030A0"/>
-                          </a:solidFill>
-                        </a:endParaRPr>
-                      </a:p>
-                    </p:txBody>
-                  </p:sp>
-                </p:grpSp>
-                <p:cxnSp>
-                  <p:nvCxnSpPr>
-                    <p:cNvPr id="57" name="Connector: Elbow 56">
-                      <a:extLst>
-                        <a:ext uri="{FF2B5EF4-FFF2-40B4-BE49-F238E27FC236}">
-                          <a16:creationId xmlns:a16="http://schemas.microsoft.com/office/drawing/2014/main" id="{12CB6F8F-6C38-4CCD-92F0-A4B7AC8C6238}"/>
-                        </a:ext>
-                      </a:extLst>
-                    </p:cNvPr>
-                    <p:cNvCxnSpPr>
-                      <a:cxnSpLocks/>
-                      <a:stCxn id="56" idx="0"/>
-                      <a:endCxn id="3" idx="3"/>
-                    </p:cNvCxnSpPr>
-                    <p:nvPr/>
-                  </p:nvCxnSpPr>
-                  <p:spPr>
-                    <a:xfrm rot="16200000" flipV="1">
-                      <a:off x="4486233" y="1381167"/>
-                      <a:ext cx="533400" cy="1123866"/>
-                    </a:xfrm>
-                    <a:prstGeom prst="bentConnector3">
-                      <a:avLst>
-                        <a:gd name="adj1" fmla="val 50000"/>
-                      </a:avLst>
-                    </a:prstGeom>
-                    <a:ln w="19050" cap="flat" cmpd="sng" algn="ctr">
-                      <a:solidFill>
-                        <a:schemeClr val="accent4"/>
-                      </a:solidFill>
-                      <a:prstDash val="dash"/>
-                      <a:round/>
-                      <a:headEnd type="none" w="med" len="med"/>
-                      <a:tailEnd type="none" w="med" len="med"/>
-                    </a:ln>
-                  </p:spPr>
-                  <p:style>
-                    <a:lnRef idx="0">
-                      <a:scrgbClr r="0" g="0" b="0"/>
-                    </a:lnRef>
-                    <a:fillRef idx="0">
-                      <a:scrgbClr r="0" g="0" b="0"/>
-                    </a:fillRef>
-                    <a:effectRef idx="0">
-                      <a:scrgbClr r="0" g="0" b="0"/>
-                    </a:effectRef>
-                    <a:fontRef idx="minor">
-                      <a:schemeClr val="tx1"/>
-                    </a:fontRef>
-                  </p:style>
-                </p:cxnSp>
-                <p:cxnSp>
-                  <p:nvCxnSpPr>
-                    <p:cNvPr id="74" name="Connector: Elbow 73">
-                      <a:extLst>
-                        <a:ext uri="{FF2B5EF4-FFF2-40B4-BE49-F238E27FC236}">
-                          <a16:creationId xmlns:a16="http://schemas.microsoft.com/office/drawing/2014/main" id="{7B11940B-2868-4E0D-80FA-5E39116CB4F1}"/>
-                        </a:ext>
-                      </a:extLst>
-                    </p:cNvPr>
-                    <p:cNvCxnSpPr>
-                      <a:cxnSpLocks/>
-                    </p:cNvCxnSpPr>
-                    <p:nvPr/>
-                  </p:nvCxnSpPr>
-                  <p:spPr>
-                    <a:xfrm flipH="1" flipV="1">
-                      <a:off x="4914816" y="1251278"/>
-                      <a:ext cx="1422264" cy="1128608"/>
-                    </a:xfrm>
-                    <a:prstGeom prst="bentConnector3">
-                      <a:avLst>
-                        <a:gd name="adj1" fmla="val -16073"/>
-                      </a:avLst>
-                    </a:prstGeom>
-                    <a:ln w="19050" cap="flat" cmpd="sng" algn="ctr">
-                      <a:solidFill>
-                        <a:schemeClr val="accent4"/>
-                      </a:solidFill>
-                      <a:prstDash val="solid"/>
-                      <a:round/>
-                      <a:headEnd type="none" w="med" len="med"/>
-                      <a:tailEnd type="arrow" w="med" len="med"/>
-                    </a:ln>
-                  </p:spPr>
-                  <p:style>
-                    <a:lnRef idx="0">
-                      <a:scrgbClr r="0" g="0" b="0"/>
-                    </a:lnRef>
-                    <a:fillRef idx="0">
-                      <a:scrgbClr r="0" g="0" b="0"/>
-                    </a:fillRef>
-                    <a:effectRef idx="0">
-                      <a:scrgbClr r="0" g="0" b="0"/>
-                    </a:effectRef>
-                    <a:fontRef idx="minor">
-                      <a:schemeClr val="tx1"/>
-                    </a:fontRef>
-                  </p:style>
-                </p:cxnSp>
-              </p:grpSp>
-            </p:grpSp>
+                    </a:rPr>
+                    <a:t>pattern : Pattern</a:t>
+                  </a:r>
+                </a:p>
+              </p:txBody>
+            </p:sp>
           </p:grpSp>
-          <p:sp>
-            <p:nvSpPr>
-              <p:cNvPr id="34" name="TextBox 33">
-                <a:extLst>
-                  <a:ext uri="{FF2B5EF4-FFF2-40B4-BE49-F238E27FC236}">
-                    <a16:creationId xmlns:a16="http://schemas.microsoft.com/office/drawing/2014/main" id="{053E223F-AAC3-41CA-B983-768936C4BD3C}"/>
-                  </a:ext>
-                </a:extLst>
-              </p:cNvPr>
-              <p:cNvSpPr txBox="1"/>
-              <p:nvPr/>
-            </p:nvSpPr>
-            <p:spPr>
-              <a:xfrm>
-                <a:off x="5035317" y="1014425"/>
-                <a:ext cx="228600" cy="276999"/>
-              </a:xfrm>
-              <a:prstGeom prst="rect">
-                <a:avLst/>
-              </a:prstGeom>
-              <a:noFill/>
-            </p:spPr>
-            <p:txBody>
-              <a:bodyPr wrap="square" rtlCol="0">
-                <a:spAutoFit/>
-              </a:bodyPr>
-              <a:lstStyle/>
-              <a:p>
-                <a:r>
-                  <a:rPr lang="en-US" sz="1200" b="1" dirty="0"/>
-                  <a:t>2</a:t>
-                </a:r>
-                <a:endParaRPr lang="en-SG" sz="1200" b="1" dirty="0"/>
-              </a:p>
-            </p:txBody>
-          </p:sp>
         </p:grpSp>
       </p:grpSp>
     </p:spTree>
     <p:extLst>
       <p:ext uri="{BB962C8B-B14F-4D97-AF65-F5344CB8AC3E}">
         <p14:creationId xmlns:p14="http://schemas.microsoft.com/office/powerpoint/2010/main" val="2396968029"/>
+      </p:ext>
+    </p:extLst>
+  </p:cSld>
+  <p:clrMapOvr>
+    <a:masterClrMapping/>
+  </p:clrMapOvr>
+</p:sld>
+</file>
+
+<file path=ppt/slides/slide2.xml><?xml version="1.0" encoding="utf-8"?>
+<p:sld xmlns:a="http://schemas.openxmlformats.org/drawingml/2006/main" xmlns:r="http://schemas.openxmlformats.org/officeDocument/2006/relationships" xmlns:p="http://schemas.openxmlformats.org/presentationml/2006/main">
+  <p:cSld>
+    <p:spTree>
+      <p:nvGrpSpPr>
+        <p:cNvPr id="1" name=""/>
+        <p:cNvGrpSpPr/>
+        <p:nvPr/>
+      </p:nvGrpSpPr>
+      <p:grpSpPr>
+        <a:xfrm>
+          <a:off x="0" y="0"/>
+          <a:ext cx="0" cy="0"/>
+          <a:chOff x="0" y="0"/>
+          <a:chExt cx="0" cy="0"/>
+        </a:xfrm>
+      </p:grpSpPr>
+      <p:grpSp>
+        <p:nvGrpSpPr>
+          <p:cNvPr id="25" name="Group 24">
+            <a:extLst>
+              <a:ext uri="{FF2B5EF4-FFF2-40B4-BE49-F238E27FC236}">
+                <a16:creationId xmlns:a16="http://schemas.microsoft.com/office/drawing/2014/main" id="{6C132870-A9D1-4E77-9B27-1E95FC0D1084}"/>
+              </a:ext>
+            </a:extLst>
+          </p:cNvPr>
+          <p:cNvGrpSpPr/>
+          <p:nvPr/>
+        </p:nvGrpSpPr>
+        <p:grpSpPr>
+          <a:xfrm>
+            <a:off x="1725008" y="827230"/>
+            <a:ext cx="6222407" cy="4026503"/>
+            <a:chOff x="1725008" y="827230"/>
+            <a:chExt cx="6222407" cy="4026503"/>
+          </a:xfrm>
+        </p:grpSpPr>
+        <p:grpSp>
+          <p:nvGrpSpPr>
+            <p:cNvPr id="20" name="Group 19">
+              <a:extLst>
+                <a:ext uri="{FF2B5EF4-FFF2-40B4-BE49-F238E27FC236}">
+                  <a16:creationId xmlns:a16="http://schemas.microsoft.com/office/drawing/2014/main" id="{5AAA3BCB-9827-4127-A8CE-C4CCEA783EB6}"/>
+                </a:ext>
+              </a:extLst>
+            </p:cNvPr>
+            <p:cNvGrpSpPr/>
+            <p:nvPr/>
+          </p:nvGrpSpPr>
+          <p:grpSpPr>
+            <a:xfrm>
+              <a:off x="1725008" y="827230"/>
+              <a:ext cx="6222407" cy="4026503"/>
+              <a:chOff x="1725008" y="827230"/>
+              <a:chExt cx="6222407" cy="4026503"/>
+            </a:xfrm>
+          </p:grpSpPr>
+          <p:sp>
+            <p:nvSpPr>
+              <p:cNvPr id="3" name="Rectangle 65">
+                <a:extLst>
+                  <a:ext uri="{FF2B5EF4-FFF2-40B4-BE49-F238E27FC236}">
+                    <a16:creationId xmlns:a16="http://schemas.microsoft.com/office/drawing/2014/main" id="{9A285173-5079-49E3-B443-4E45783BC221}"/>
+                  </a:ext>
+                </a:extLst>
+              </p:cNvPr>
+              <p:cNvSpPr/>
+              <p:nvPr/>
+            </p:nvSpPr>
+            <p:spPr>
+              <a:xfrm>
+                <a:off x="1725008" y="827230"/>
+                <a:ext cx="6222407" cy="4026503"/>
+              </a:xfrm>
+              <a:prstGeom prst="roundRect">
+                <a:avLst>
+                  <a:gd name="adj" fmla="val 26749"/>
+                </a:avLst>
+              </a:prstGeom>
+              <a:solidFill>
+                <a:schemeClr val="accent4">
+                  <a:lumMod val="20000"/>
+                  <a:lumOff val="80000"/>
+                </a:schemeClr>
+              </a:solidFill>
+              <a:ln w="19050">
+                <a:noFill/>
+              </a:ln>
+              <a:effectLst/>
+            </p:spPr>
+            <p:style>
+              <a:lnRef idx="1">
+                <a:schemeClr val="accent2"/>
+              </a:lnRef>
+              <a:fillRef idx="2">
+                <a:schemeClr val="accent2"/>
+              </a:fillRef>
+              <a:effectRef idx="1">
+                <a:schemeClr val="accent2"/>
+              </a:effectRef>
+              <a:fontRef idx="minor">
+                <a:schemeClr val="dk1"/>
+              </a:fontRef>
+            </p:style>
+            <p:txBody>
+              <a:bodyPr rtlCol="0" anchor="t"/>
+              <a:lstStyle/>
+              <a:p>
+                <a:r>
+                  <a:rPr lang="en-US" sz="1200" b="1" dirty="0" err="1">
+                    <a:solidFill>
+                      <a:srgbClr val="7030A0"/>
+                    </a:solidFill>
+                  </a:rPr>
+                  <a:t>RequirementStatus</a:t>
+                </a:r>
+                <a:r>
+                  <a:rPr lang="en-US" sz="1200" b="1" dirty="0">
+                    <a:solidFill>
+                      <a:srgbClr val="7030A0"/>
+                    </a:solidFill>
+                  </a:rPr>
+                  <a:t> </a:t>
+                </a:r>
+              </a:p>
+              <a:p>
+                <a:endParaRPr lang="en-SG" sz="1200" b="1" dirty="0">
+                  <a:solidFill>
+                    <a:srgbClr val="7030A0"/>
+                  </a:solidFill>
+                </a:endParaRPr>
+              </a:p>
+            </p:txBody>
+          </p:sp>
+          <p:sp>
+            <p:nvSpPr>
+              <p:cNvPr id="5" name="Rectangle 8">
+                <a:extLst>
+                  <a:ext uri="{FF2B5EF4-FFF2-40B4-BE49-F238E27FC236}">
+                    <a16:creationId xmlns:a16="http://schemas.microsoft.com/office/drawing/2014/main" id="{D965BED0-B306-42F5-A632-F7C1409DB8D3}"/>
+                  </a:ext>
+                </a:extLst>
+              </p:cNvPr>
+              <p:cNvSpPr/>
+              <p:nvPr/>
+            </p:nvSpPr>
+            <p:spPr>
+              <a:xfrm>
+                <a:off x="1779438" y="2840481"/>
+                <a:ext cx="2160000" cy="576488"/>
+              </a:xfrm>
+              <a:prstGeom prst="rect">
+                <a:avLst/>
+              </a:prstGeom>
+              <a:ln w="19050">
+                <a:solidFill>
+                  <a:srgbClr val="7030A0"/>
+                </a:solidFill>
+              </a:ln>
+              <a:effectLst/>
+            </p:spPr>
+            <p:style>
+              <a:lnRef idx="1">
+                <a:schemeClr val="accent4"/>
+              </a:lnRef>
+              <a:fillRef idx="2">
+                <a:schemeClr val="accent4"/>
+              </a:fillRef>
+              <a:effectRef idx="1">
+                <a:schemeClr val="accent4"/>
+              </a:effectRef>
+              <a:fontRef idx="minor">
+                <a:schemeClr val="dk1"/>
+              </a:fontRef>
+            </p:style>
+            <p:txBody>
+              <a:bodyPr rtlCol="0" anchor="ctr"/>
+              <a:lstStyle/>
+              <a:p>
+                <a:pPr algn="ctr"/>
+                <a:r>
+                  <a:rPr lang="en-SG" sz="1050" b="1" dirty="0" err="1">
+                    <a:solidFill>
+                      <a:srgbClr val="7030A0"/>
+                    </a:solidFill>
+                  </a:rPr>
+                  <a:t>CourseRequirement</a:t>
+                </a:r>
+                <a:endParaRPr lang="en-SG" sz="1050" b="1" dirty="0">
+                  <a:solidFill>
+                    <a:srgbClr val="7030A0"/>
+                  </a:solidFill>
+                </a:endParaRPr>
+              </a:p>
+            </p:txBody>
+          </p:sp>
+          <p:sp>
+            <p:nvSpPr>
+              <p:cNvPr id="6" name="Rectangle 8">
+                <a:extLst>
+                  <a:ext uri="{FF2B5EF4-FFF2-40B4-BE49-F238E27FC236}">
+                    <a16:creationId xmlns:a16="http://schemas.microsoft.com/office/drawing/2014/main" id="{4E3735D2-3987-41C8-916F-E70664D2C8D2}"/>
+                  </a:ext>
+                </a:extLst>
+              </p:cNvPr>
+              <p:cNvSpPr/>
+              <p:nvPr/>
+            </p:nvSpPr>
+            <p:spPr>
+              <a:xfrm>
+                <a:off x="5756313" y="2821394"/>
+                <a:ext cx="2160000" cy="576488"/>
+              </a:xfrm>
+              <a:prstGeom prst="rect">
+                <a:avLst/>
+              </a:prstGeom>
+              <a:ln w="19050">
+                <a:solidFill>
+                  <a:srgbClr val="7030A0"/>
+                </a:solidFill>
+              </a:ln>
+              <a:effectLst/>
+            </p:spPr>
+            <p:style>
+              <a:lnRef idx="1">
+                <a:schemeClr val="accent4"/>
+              </a:lnRef>
+              <a:fillRef idx="2">
+                <a:schemeClr val="accent4"/>
+              </a:fillRef>
+              <a:effectRef idx="1">
+                <a:schemeClr val="accent4"/>
+              </a:effectRef>
+              <a:fontRef idx="minor">
+                <a:schemeClr val="dk1"/>
+              </a:fontRef>
+            </p:style>
+            <p:txBody>
+              <a:bodyPr rtlCol="0" anchor="ctr"/>
+              <a:lstStyle/>
+              <a:p>
+                <a:pPr algn="ctr"/>
+                <a:r>
+                  <a:rPr lang="en-SG" sz="1050" b="1" dirty="0" err="1">
+                    <a:solidFill>
+                      <a:srgbClr val="7030A0"/>
+                    </a:solidFill>
+                  </a:rPr>
+                  <a:t>VersionedGradTrak</a:t>
+                </a:r>
+                <a:endParaRPr lang="en-SG" sz="1050" b="1" dirty="0">
+                  <a:solidFill>
+                    <a:srgbClr val="7030A0"/>
+                  </a:solidFill>
+                </a:endParaRPr>
+              </a:p>
+            </p:txBody>
+          </p:sp>
+          <p:cxnSp>
+            <p:nvCxnSpPr>
+              <p:cNvPr id="8" name="Straight Connector 7">
+                <a:extLst>
+                  <a:ext uri="{FF2B5EF4-FFF2-40B4-BE49-F238E27FC236}">
+                    <a16:creationId xmlns:a16="http://schemas.microsoft.com/office/drawing/2014/main" id="{1881220E-6062-490F-BDBD-9B6FBD8D5507}"/>
+                  </a:ext>
+                </a:extLst>
+              </p:cNvPr>
+              <p:cNvCxnSpPr>
+                <a:cxnSpLocks/>
+                <a:stCxn id="5" idx="3"/>
+                <a:endCxn id="6" idx="1"/>
+              </p:cNvCxnSpPr>
+              <p:nvPr/>
+            </p:nvCxnSpPr>
+            <p:spPr>
+              <a:xfrm flipV="1">
+                <a:off x="3939438" y="3109638"/>
+                <a:ext cx="1816875" cy="19087"/>
+              </a:xfrm>
+              <a:prstGeom prst="line">
+                <a:avLst/>
+              </a:prstGeom>
+              <a:ln w="19050"/>
+            </p:spPr>
+            <p:style>
+              <a:lnRef idx="1">
+                <a:schemeClr val="accent4"/>
+              </a:lnRef>
+              <a:fillRef idx="0">
+                <a:schemeClr val="accent4"/>
+              </a:fillRef>
+              <a:effectRef idx="0">
+                <a:schemeClr val="accent4"/>
+              </a:effectRef>
+              <a:fontRef idx="minor">
+                <a:schemeClr val="tx1"/>
+              </a:fontRef>
+            </p:style>
+          </p:cxnSp>
+          <p:cxnSp>
+            <p:nvCxnSpPr>
+              <p:cNvPr id="10" name="Straight Connector 9">
+                <a:extLst>
+                  <a:ext uri="{FF2B5EF4-FFF2-40B4-BE49-F238E27FC236}">
+                    <a16:creationId xmlns:a16="http://schemas.microsoft.com/office/drawing/2014/main" id="{4AD2D3F8-705C-40BE-B631-26CA1E1BE468}"/>
+                  </a:ext>
+                </a:extLst>
+              </p:cNvPr>
+              <p:cNvCxnSpPr>
+                <a:cxnSpLocks/>
+              </p:cNvCxnSpPr>
+              <p:nvPr/>
+            </p:nvCxnSpPr>
+            <p:spPr>
+              <a:xfrm>
+                <a:off x="4765352" y="2430120"/>
+                <a:ext cx="0" cy="720610"/>
+              </a:xfrm>
+              <a:prstGeom prst="line">
+                <a:avLst/>
+              </a:prstGeom>
+              <a:ln w="9525" cap="flat" cmpd="sng" algn="ctr">
+                <a:solidFill>
+                  <a:schemeClr val="accent4"/>
+                </a:solidFill>
+                <a:prstDash val="dash"/>
+                <a:round/>
+                <a:headEnd type="none" w="med" len="med"/>
+                <a:tailEnd type="none" w="med" len="med"/>
+              </a:ln>
+            </p:spPr>
+            <p:style>
+              <a:lnRef idx="0">
+                <a:scrgbClr r="0" g="0" b="0"/>
+              </a:lnRef>
+              <a:fillRef idx="0">
+                <a:scrgbClr r="0" g="0" b="0"/>
+              </a:fillRef>
+              <a:effectRef idx="0">
+                <a:scrgbClr r="0" g="0" b="0"/>
+              </a:effectRef>
+              <a:fontRef idx="minor">
+                <a:schemeClr val="tx1"/>
+              </a:fontRef>
+            </p:style>
+          </p:cxnSp>
+          <p:grpSp>
+            <p:nvGrpSpPr>
+              <p:cNvPr id="19" name="Group 18">
+                <a:extLst>
+                  <a:ext uri="{FF2B5EF4-FFF2-40B4-BE49-F238E27FC236}">
+                    <a16:creationId xmlns:a16="http://schemas.microsoft.com/office/drawing/2014/main" id="{AFD1773E-2B63-4419-BC42-68E4FAAEF074}"/>
+                  </a:ext>
+                </a:extLst>
+              </p:cNvPr>
+              <p:cNvGrpSpPr/>
+              <p:nvPr/>
+            </p:nvGrpSpPr>
+            <p:grpSpPr>
+              <a:xfrm>
+                <a:off x="3685352" y="1401675"/>
+                <a:ext cx="2160000" cy="1006619"/>
+                <a:chOff x="3680687" y="1363851"/>
+                <a:chExt cx="2160000" cy="1006619"/>
+              </a:xfrm>
+            </p:grpSpPr>
+            <p:sp>
+              <p:nvSpPr>
+                <p:cNvPr id="4" name="Rectangle 8">
+                  <a:extLst>
+                    <a:ext uri="{FF2B5EF4-FFF2-40B4-BE49-F238E27FC236}">
+                      <a16:creationId xmlns:a16="http://schemas.microsoft.com/office/drawing/2014/main" id="{68291F40-DAA9-4CB9-B9D0-4721FB4603B4}"/>
+                    </a:ext>
+                  </a:extLst>
+                </p:cNvPr>
+                <p:cNvSpPr/>
+                <p:nvPr/>
+              </p:nvSpPr>
+              <p:spPr>
+                <a:xfrm>
+                  <a:off x="3680687" y="1363851"/>
+                  <a:ext cx="2160000" cy="576488"/>
+                </a:xfrm>
+                <a:prstGeom prst="rect">
+                  <a:avLst/>
+                </a:prstGeom>
+                <a:ln w="19050">
+                  <a:solidFill>
+                    <a:srgbClr val="7030A0"/>
+                  </a:solidFill>
+                </a:ln>
+                <a:effectLst/>
+              </p:spPr>
+              <p:style>
+                <a:lnRef idx="1">
+                  <a:schemeClr val="accent4"/>
+                </a:lnRef>
+                <a:fillRef idx="2">
+                  <a:schemeClr val="accent4"/>
+                </a:fillRef>
+                <a:effectRef idx="1">
+                  <a:schemeClr val="accent4"/>
+                </a:effectRef>
+                <a:fontRef idx="minor">
+                  <a:schemeClr val="dk1"/>
+                </a:fontRef>
+              </p:style>
+              <p:txBody>
+                <a:bodyPr rtlCol="0" anchor="ctr"/>
+                <a:lstStyle/>
+                <a:p>
+                  <a:pPr algn="ctr"/>
+                  <a:r>
+                    <a:rPr lang="en-US" sz="1050" b="1" dirty="0" err="1">
+                      <a:solidFill>
+                        <a:srgbClr val="7030A0"/>
+                      </a:solidFill>
+                    </a:rPr>
+                    <a:t>RequirementStatus</a:t>
+                  </a:r>
+                  <a:endParaRPr lang="en-SG" sz="1050" b="1" dirty="0">
+                    <a:solidFill>
+                      <a:srgbClr val="7030A0"/>
+                    </a:solidFill>
+                  </a:endParaRPr>
+                </a:p>
+              </p:txBody>
+            </p:sp>
+            <p:sp>
+              <p:nvSpPr>
+                <p:cNvPr id="12" name="Rectangle 8">
+                  <a:extLst>
+                    <a:ext uri="{FF2B5EF4-FFF2-40B4-BE49-F238E27FC236}">
+                      <a16:creationId xmlns:a16="http://schemas.microsoft.com/office/drawing/2014/main" id="{6AD2D312-F7F8-4E62-AD9F-E70AF925AFBC}"/>
+                    </a:ext>
+                  </a:extLst>
+                </p:cNvPr>
+                <p:cNvSpPr/>
+                <p:nvPr/>
+              </p:nvSpPr>
+              <p:spPr>
+                <a:xfrm>
+                  <a:off x="3680687" y="1929824"/>
+                  <a:ext cx="2160000" cy="440646"/>
+                </a:xfrm>
+                <a:prstGeom prst="rect">
+                  <a:avLst/>
+                </a:prstGeom>
+                <a:ln w="19050">
+                  <a:solidFill>
+                    <a:srgbClr val="7030A0"/>
+                  </a:solidFill>
+                </a:ln>
+                <a:effectLst/>
+              </p:spPr>
+              <p:style>
+                <a:lnRef idx="1">
+                  <a:schemeClr val="accent4"/>
+                </a:lnRef>
+                <a:fillRef idx="2">
+                  <a:schemeClr val="accent4"/>
+                </a:fillRef>
+                <a:effectRef idx="1">
+                  <a:schemeClr val="accent4"/>
+                </a:effectRef>
+                <a:fontRef idx="minor">
+                  <a:schemeClr val="dk1"/>
+                </a:fontRef>
+              </p:style>
+              <p:txBody>
+                <a:bodyPr rtlCol="0" anchor="ctr"/>
+                <a:lstStyle/>
+                <a:p>
+                  <a:pPr marL="171450" indent="-171450">
+                    <a:buFontTx/>
+                    <a:buChar char="-"/>
+                  </a:pPr>
+                  <a:r>
+                    <a:rPr lang="en-US" sz="1050" b="1" dirty="0" err="1">
+                      <a:solidFill>
+                        <a:srgbClr val="7030A0"/>
+                      </a:solidFill>
+                    </a:rPr>
+                    <a:t>percentageFulfilled</a:t>
+                  </a:r>
+                  <a:r>
+                    <a:rPr lang="en-US" sz="1050" b="1" dirty="0">
+                      <a:solidFill>
+                        <a:srgbClr val="7030A0"/>
+                      </a:solidFill>
+                    </a:rPr>
+                    <a:t> : double</a:t>
+                  </a:r>
+                </a:p>
+                <a:p>
+                  <a:pPr marL="171450" indent="-171450">
+                    <a:buFontTx/>
+                    <a:buChar char="-"/>
+                  </a:pPr>
+                  <a:r>
+                    <a:rPr lang="en-US" sz="1050" b="1" dirty="0" err="1">
+                      <a:solidFill>
+                        <a:srgbClr val="7030A0"/>
+                      </a:solidFill>
+                    </a:rPr>
+                    <a:t>isFulfilled</a:t>
+                  </a:r>
+                  <a:r>
+                    <a:rPr lang="en-US" sz="1050" b="1" dirty="0">
+                      <a:solidFill>
+                        <a:srgbClr val="7030A0"/>
+                      </a:solidFill>
+                    </a:rPr>
+                    <a:t> : </a:t>
+                  </a:r>
+                  <a:r>
+                    <a:rPr lang="en-US" sz="1050" b="1" dirty="0" err="1">
+                      <a:solidFill>
+                        <a:srgbClr val="7030A0"/>
+                      </a:solidFill>
+                    </a:rPr>
+                    <a:t>boolean</a:t>
+                  </a:r>
+                  <a:endParaRPr lang="en-SG" sz="1050" b="1" dirty="0">
+                    <a:solidFill>
+                      <a:srgbClr val="7030A0"/>
+                    </a:solidFill>
+                  </a:endParaRPr>
+                </a:p>
+              </p:txBody>
+            </p:sp>
+          </p:grpSp>
+        </p:grpSp>
+        <p:sp>
+          <p:nvSpPr>
+            <p:cNvPr id="21" name="TextBox 20">
+              <a:extLst>
+                <a:ext uri="{FF2B5EF4-FFF2-40B4-BE49-F238E27FC236}">
+                  <a16:creationId xmlns:a16="http://schemas.microsoft.com/office/drawing/2014/main" id="{C23675A5-468F-4344-8732-F40F130DF6DA}"/>
+                </a:ext>
+              </a:extLst>
+            </p:cNvPr>
+            <p:cNvSpPr txBox="1"/>
+            <p:nvPr/>
+          </p:nvSpPr>
+          <p:spPr>
+            <a:xfrm>
+              <a:off x="4540898" y="3100946"/>
+              <a:ext cx="1575724" cy="276999"/>
+            </a:xfrm>
+            <a:prstGeom prst="rect">
+              <a:avLst/>
+            </a:prstGeom>
+            <a:noFill/>
+          </p:spPr>
+          <p:txBody>
+            <a:bodyPr wrap="square" rtlCol="0">
+              <a:spAutoFit/>
+            </a:bodyPr>
+            <a:lstStyle/>
+            <a:p>
+              <a:r>
+                <a:rPr lang="en-SG" sz="1200" dirty="0"/>
+                <a:t>check against  </a:t>
+              </a:r>
+            </a:p>
+          </p:txBody>
+        </p:sp>
+        <p:sp>
+          <p:nvSpPr>
+            <p:cNvPr id="24" name="Isosceles Triangle 23">
+              <a:extLst>
+                <a:ext uri="{FF2B5EF4-FFF2-40B4-BE49-F238E27FC236}">
+                  <a16:creationId xmlns:a16="http://schemas.microsoft.com/office/drawing/2014/main" id="{347A349D-4E76-4D11-B4F1-F79CACE985E7}"/>
+                </a:ext>
+              </a:extLst>
+            </p:cNvPr>
+            <p:cNvSpPr/>
+            <p:nvPr/>
+          </p:nvSpPr>
+          <p:spPr>
+            <a:xfrm rot="5400000">
+              <a:off x="5518298" y="3190554"/>
+              <a:ext cx="87255" cy="97784"/>
+            </a:xfrm>
+            <a:prstGeom prst="triangle">
+              <a:avLst/>
+            </a:prstGeom>
+            <a:solidFill>
+              <a:schemeClr val="tx1"/>
+            </a:solidFill>
+            <a:ln>
+              <a:solidFill>
+                <a:schemeClr val="tx1"/>
+              </a:solidFill>
+            </a:ln>
+          </p:spPr>
+          <p:style>
+            <a:lnRef idx="2">
+              <a:schemeClr val="accent1">
+                <a:shade val="50000"/>
+              </a:schemeClr>
+            </a:lnRef>
+            <a:fillRef idx="1">
+              <a:schemeClr val="accent1"/>
+            </a:fillRef>
+            <a:effectRef idx="0">
+              <a:schemeClr val="accent1"/>
+            </a:effectRef>
+            <a:fontRef idx="minor">
+              <a:schemeClr val="lt1"/>
+            </a:fontRef>
+          </p:style>
+          <p:txBody>
+            <a:bodyPr rtlCol="0" anchor="ctr"/>
+            <a:lstStyle/>
+            <a:p>
+              <a:pPr algn="ctr"/>
+              <a:endParaRPr lang="en-SG"/>
+            </a:p>
+          </p:txBody>
+        </p:sp>
+      </p:grpSp>
+    </p:spTree>
+    <p:extLst>
+      <p:ext uri="{BB962C8B-B14F-4D97-AF65-F5344CB8AC3E}">
+        <p14:creationId xmlns:p14="http://schemas.microsoft.com/office/powerpoint/2010/main" val="2955608176"/>
       </p:ext>
     </p:extLst>
   </p:cSld>

--- a/docs/diagrams/CompositeDesignPattern.pptx
+++ b/docs/diagrams/CompositeDesignPattern.pptx
@@ -210,7 +210,7 @@
             <a:fld id="{F5CC4B3F-88C1-4FFA-B1B6-F41C21DC6924}" type="datetimeFigureOut">
               <a:rPr lang="en-US" smtClean="0"/>
               <a:pPr/>
-              <a:t>4/11/2019</a:t>
+              <a:t>4/14/2019</a:t>
             </a:fld>
             <a:endParaRPr lang="en-US"/>
           </a:p>
@@ -658,7 +658,7 @@
             <a:fld id="{78C97017-6FC3-485B-9764-EAC9E56C1D49}" type="datetimeFigureOut">
               <a:rPr lang="en-US" smtClean="0"/>
               <a:pPr/>
-              <a:t>4/11/2019</a:t>
+              <a:t>4/14/2019</a:t>
             </a:fld>
             <a:endParaRPr lang="en-US"/>
           </a:p>
@@ -828,7 +828,7 @@
             <a:fld id="{78C97017-6FC3-485B-9764-EAC9E56C1D49}" type="datetimeFigureOut">
               <a:rPr lang="en-US" smtClean="0"/>
               <a:pPr/>
-              <a:t>4/11/2019</a:t>
+              <a:t>4/14/2019</a:t>
             </a:fld>
             <a:endParaRPr lang="en-US"/>
           </a:p>
@@ -1008,7 +1008,7 @@
             <a:fld id="{78C97017-6FC3-485B-9764-EAC9E56C1D49}" type="datetimeFigureOut">
               <a:rPr lang="en-US" smtClean="0"/>
               <a:pPr/>
-              <a:t>4/11/2019</a:t>
+              <a:t>4/14/2019</a:t>
             </a:fld>
             <a:endParaRPr lang="en-US"/>
           </a:p>
@@ -1178,7 +1178,7 @@
             <a:fld id="{78C97017-6FC3-485B-9764-EAC9E56C1D49}" type="datetimeFigureOut">
               <a:rPr lang="en-US" smtClean="0"/>
               <a:pPr/>
-              <a:t>4/11/2019</a:t>
+              <a:t>4/14/2019</a:t>
             </a:fld>
             <a:endParaRPr lang="en-US"/>
           </a:p>
@@ -1425,7 +1425,7 @@
             <a:fld id="{78C97017-6FC3-485B-9764-EAC9E56C1D49}" type="datetimeFigureOut">
               <a:rPr lang="en-US" smtClean="0"/>
               <a:pPr/>
-              <a:t>4/11/2019</a:t>
+              <a:t>4/14/2019</a:t>
             </a:fld>
             <a:endParaRPr lang="en-US"/>
           </a:p>
@@ -1712,7 +1712,7 @@
             <a:fld id="{78C97017-6FC3-485B-9764-EAC9E56C1D49}" type="datetimeFigureOut">
               <a:rPr lang="en-US" smtClean="0"/>
               <a:pPr/>
-              <a:t>4/11/2019</a:t>
+              <a:t>4/14/2019</a:t>
             </a:fld>
             <a:endParaRPr lang="en-US"/>
           </a:p>
@@ -2133,7 +2133,7 @@
             <a:fld id="{78C97017-6FC3-485B-9764-EAC9E56C1D49}" type="datetimeFigureOut">
               <a:rPr lang="en-US" smtClean="0"/>
               <a:pPr/>
-              <a:t>4/11/2019</a:t>
+              <a:t>4/14/2019</a:t>
             </a:fld>
             <a:endParaRPr lang="en-US"/>
           </a:p>
@@ -2252,7 +2252,7 @@
             <a:fld id="{78C97017-6FC3-485B-9764-EAC9E56C1D49}" type="datetimeFigureOut">
               <a:rPr lang="en-US" smtClean="0"/>
               <a:pPr/>
-              <a:t>4/11/2019</a:t>
+              <a:t>4/14/2019</a:t>
             </a:fld>
             <a:endParaRPr lang="en-US"/>
           </a:p>
@@ -2349,7 +2349,7 @@
             <a:fld id="{78C97017-6FC3-485B-9764-EAC9E56C1D49}" type="datetimeFigureOut">
               <a:rPr lang="en-US" smtClean="0"/>
               <a:pPr/>
-              <a:t>4/11/2019</a:t>
+              <a:t>4/14/2019</a:t>
             </a:fld>
             <a:endParaRPr lang="en-US"/>
           </a:p>
@@ -2626,7 +2626,7 @@
             <a:fld id="{78C97017-6FC3-485B-9764-EAC9E56C1D49}" type="datetimeFigureOut">
               <a:rPr lang="en-US" smtClean="0"/>
               <a:pPr/>
-              <a:t>4/11/2019</a:t>
+              <a:t>4/14/2019</a:t>
             </a:fld>
             <a:endParaRPr lang="en-US"/>
           </a:p>
@@ -2880,7 +2880,7 @@
             <a:fld id="{78C97017-6FC3-485B-9764-EAC9E56C1D49}" type="datetimeFigureOut">
               <a:rPr lang="en-US" smtClean="0"/>
               <a:pPr/>
-              <a:t>4/11/2019</a:t>
+              <a:t>4/14/2019</a:t>
             </a:fld>
             <a:endParaRPr lang="en-US"/>
           </a:p>
@@ -3093,7 +3093,7 @@
             <a:fld id="{78C97017-6FC3-485B-9764-EAC9E56C1D49}" type="datetimeFigureOut">
               <a:rPr lang="en-US" smtClean="0"/>
               <a:pPr/>
-              <a:t>4/11/2019</a:t>
+              <a:t>4/14/2019</a:t>
             </a:fld>
             <a:endParaRPr lang="en-US"/>
           </a:p>
@@ -4620,10 +4620,10 @@
         </p:nvGrpSpPr>
         <p:grpSpPr>
           <a:xfrm>
-            <a:off x="1725008" y="827230"/>
-            <a:ext cx="6222407" cy="4026503"/>
-            <a:chOff x="1725008" y="827230"/>
-            <a:chExt cx="6222407" cy="4026503"/>
+            <a:off x="1671422" y="1295400"/>
+            <a:ext cx="6329578" cy="2701036"/>
+            <a:chOff x="1671422" y="1295400"/>
+            <a:chExt cx="6329578" cy="2701036"/>
           </a:xfrm>
         </p:grpSpPr>
         <p:grpSp>
@@ -4640,10 +4640,10 @@
           </p:nvGrpSpPr>
           <p:grpSpPr>
             <a:xfrm>
-              <a:off x="1725008" y="827230"/>
-              <a:ext cx="6222407" cy="4026503"/>
-              <a:chOff x="1725008" y="827230"/>
-              <a:chExt cx="6222407" cy="4026503"/>
+              <a:off x="1671422" y="1295400"/>
+              <a:ext cx="6329578" cy="2701036"/>
+              <a:chOff x="1671422" y="1295400"/>
+              <a:chExt cx="6329578" cy="2701036"/>
             </a:xfrm>
           </p:grpSpPr>
           <p:sp>
@@ -4660,8 +4660,8 @@
             </p:nvSpPr>
             <p:spPr>
               <a:xfrm>
-                <a:off x="1725008" y="827230"/>
-                <a:ext cx="6222407" cy="4026503"/>
+                <a:off x="1671422" y="1295400"/>
+                <a:ext cx="6329578" cy="2701036"/>
               </a:xfrm>
               <a:prstGeom prst="roundRect">
                 <a:avLst>
